--- a/Final_Presentation/DS_Ed4_Group1_ProjectWork_Template.pptx
+++ b/Final_Presentation/DS_Ed4_Group1_ProjectWork_Template.pptx
@@ -6,7 +6,7 @@
     <p:sldMasterId id="2147483791" r:id="rId5"/>
   </p:sldMasterIdLst>
   <p:notesMasterIdLst>
-    <p:notesMasterId r:id="rId14"/>
+    <p:notesMasterId r:id="rId15"/>
   </p:notesMasterIdLst>
   <p:sldIdLst>
     <p:sldId id="256" r:id="rId6"/>
@@ -16,7 +16,8 @@
     <p:sldId id="20834" r:id="rId10"/>
     <p:sldId id="20833" r:id="rId11"/>
     <p:sldId id="20835" r:id="rId12"/>
-    <p:sldId id="259" r:id="rId13"/>
+    <p:sldId id="20837" r:id="rId13"/>
+    <p:sldId id="259" r:id="rId14"/>
   </p:sldIdLst>
   <p:sldSz cx="12192000" cy="6858000"/>
   <p:notesSz cx="6858000" cy="9144000"/>
@@ -127,6 +128,7 @@
             <p14:sldId id="20834"/>
             <p14:sldId id="20833"/>
             <p14:sldId id="20835"/>
+            <p14:sldId id="20837"/>
             <p14:sldId id="259"/>
           </p14:sldIdLst>
         </p14:section>
@@ -2763,7 +2765,7 @@
           <a:p>
             <a:fld id="{782D2022-6924-4A2F-9872-FF4A1A668DD2}" type="datetimeFigureOut">
               <a:rPr lang="en-US" smtClean="0"/>
-              <a:t>3/3/2021</a:t>
+              <a:t>4/9/2021</a:t>
             </a:fld>
             <a:endParaRPr lang="en-US"/>
           </a:p>
@@ -2921,7 +2923,7 @@
           <a:p>
             <a:fld id="{5DE384C8-84E0-4D13-9CD7-D9234DC00AE1}" type="slidenum">
               <a:rPr lang="en-US" smtClean="0"/>
-              <a:t>‹N›</a:t>
+              <a:t>‹#›</a:t>
             </a:fld>
             <a:endParaRPr lang="en-US"/>
           </a:p>
@@ -3924,7 +3926,7 @@
           <p:cNvPr id="5" name="Segnaposto testo 4">
             <a:extLst>
               <a:ext uri="{FF2B5EF4-FFF2-40B4-BE49-F238E27FC236}">
-                <a16:creationId xmlns="" xmlns:a16="http://schemas.microsoft.com/office/drawing/2014/main" id="{7E360A55-0A1C-4A9F-91D9-32E5DA43DF70}"/>
+                <a16:creationId xmlns:a16="http://schemas.microsoft.com/office/drawing/2014/main" xmlns="" id="{7E360A55-0A1C-4A9F-91D9-32E5DA43DF70}"/>
               </a:ext>
             </a:extLst>
           </p:cNvPr>
@@ -3972,7 +3974,7 @@
           <p:cNvPr id="8" name="Segnaposto testo 4">
             <a:extLst>
               <a:ext uri="{FF2B5EF4-FFF2-40B4-BE49-F238E27FC236}">
-                <a16:creationId xmlns="" xmlns:a16="http://schemas.microsoft.com/office/drawing/2014/main" id="{DB3F8653-86F4-48B6-8998-7AB719585006}"/>
+                <a16:creationId xmlns:a16="http://schemas.microsoft.com/office/drawing/2014/main" xmlns="" id="{DB3F8653-86F4-48B6-8998-7AB719585006}"/>
               </a:ext>
             </a:extLst>
           </p:cNvPr>
@@ -4017,7 +4019,7 @@
           <p:cNvPr id="9" name="Segnaposto testo 4">
             <a:extLst>
               <a:ext uri="{FF2B5EF4-FFF2-40B4-BE49-F238E27FC236}">
-                <a16:creationId xmlns="" xmlns:a16="http://schemas.microsoft.com/office/drawing/2014/main" id="{BCB409CE-4779-466F-9DD6-81F87907C42A}"/>
+                <a16:creationId xmlns:a16="http://schemas.microsoft.com/office/drawing/2014/main" xmlns="" id="{BCB409CE-4779-466F-9DD6-81F87907C42A}"/>
               </a:ext>
             </a:extLst>
           </p:cNvPr>
@@ -4076,7 +4078,7 @@
           <p:cNvPr id="10" name="Segnaposto testo 4">
             <a:extLst>
               <a:ext uri="{FF2B5EF4-FFF2-40B4-BE49-F238E27FC236}">
-                <a16:creationId xmlns="" xmlns:a16="http://schemas.microsoft.com/office/drawing/2014/main" id="{81AA2940-AAEB-48A2-9E64-3F70D79CCC2C}"/>
+                <a16:creationId xmlns:a16="http://schemas.microsoft.com/office/drawing/2014/main" xmlns="" id="{81AA2940-AAEB-48A2-9E64-3F70D79CCC2C}"/>
               </a:ext>
             </a:extLst>
           </p:cNvPr>
@@ -4140,7 +4142,7 @@
           <p:cNvPr id="11" name="Segnaposto testo 4">
             <a:extLst>
               <a:ext uri="{FF2B5EF4-FFF2-40B4-BE49-F238E27FC236}">
-                <a16:creationId xmlns="" xmlns:a16="http://schemas.microsoft.com/office/drawing/2014/main" id="{BF4A6CB6-C596-4A3C-84DA-CC933C03D4F1}"/>
+                <a16:creationId xmlns:a16="http://schemas.microsoft.com/office/drawing/2014/main" xmlns="" id="{BF4A6CB6-C596-4A3C-84DA-CC933C03D4F1}"/>
               </a:ext>
             </a:extLst>
           </p:cNvPr>
@@ -4188,7 +4190,7 @@
           <p:cNvPr id="7" name="Segnaposto testo 4">
             <a:extLst>
               <a:ext uri="{FF2B5EF4-FFF2-40B4-BE49-F238E27FC236}">
-                <a16:creationId xmlns="" xmlns:a16="http://schemas.microsoft.com/office/drawing/2014/main" id="{9A92C762-B7B4-42DD-BEEC-24A9151C5C87}"/>
+                <a16:creationId xmlns:a16="http://schemas.microsoft.com/office/drawing/2014/main" xmlns="" id="{9A92C762-B7B4-42DD-BEEC-24A9151C5C87}"/>
               </a:ext>
             </a:extLst>
           </p:cNvPr>
@@ -4236,7 +4238,7 @@
           <p:cNvPr id="2" name="Elemento grafico 1">
             <a:extLst>
               <a:ext uri="{FF2B5EF4-FFF2-40B4-BE49-F238E27FC236}">
-                <a16:creationId xmlns="" xmlns:a16="http://schemas.microsoft.com/office/drawing/2014/main" id="{7AA7CE67-4E45-4DFB-A7A9-B595FFE90573}"/>
+                <a16:creationId xmlns:a16="http://schemas.microsoft.com/office/drawing/2014/main" xmlns="" id="{7AA7CE67-4E45-4DFB-A7A9-B595FFE90573}"/>
               </a:ext>
             </a:extLst>
           </p:cNvPr>
@@ -4249,7 +4251,7 @@
           <a:blip r:embed="rId2">
             <a:extLst>
               <a:ext uri="{96DAC541-7B7A-43D3-8B79-37D633B846F1}">
-                <asvg:svgBlip xmlns="" xmlns:asvg="http://schemas.microsoft.com/office/drawing/2016/SVG/main" r:embed="rId3"/>
+                <asvg:svgBlip xmlns:asvg="http://schemas.microsoft.com/office/drawing/2016/SVG/main" xmlns="" r:embed="rId3"/>
               </a:ext>
             </a:extLst>
           </a:blip>
@@ -4272,7 +4274,7 @@
           <p:cNvPr id="3" name="Elemento grafico 2">
             <a:extLst>
               <a:ext uri="{FF2B5EF4-FFF2-40B4-BE49-F238E27FC236}">
-                <a16:creationId xmlns="" xmlns:a16="http://schemas.microsoft.com/office/drawing/2014/main" id="{920AC855-D3EE-461B-96A9-F7EE753BE4F4}"/>
+                <a16:creationId xmlns:a16="http://schemas.microsoft.com/office/drawing/2014/main" xmlns="" id="{920AC855-D3EE-461B-96A9-F7EE753BE4F4}"/>
               </a:ext>
             </a:extLst>
           </p:cNvPr>
@@ -4285,7 +4287,7 @@
           <a:blip r:embed="rId4">
             <a:extLst>
               <a:ext uri="{96DAC541-7B7A-43D3-8B79-37D633B846F1}">
-                <asvg:svgBlip xmlns="" xmlns:asvg="http://schemas.microsoft.com/office/drawing/2016/SVG/main" r:embed="rId5"/>
+                <asvg:svgBlip xmlns:asvg="http://schemas.microsoft.com/office/drawing/2016/SVG/main" xmlns="" r:embed="rId5"/>
               </a:ext>
             </a:extLst>
           </a:blip>
@@ -4346,7 +4348,7 @@
           <p:cNvPr id="2" name="Segnaposto testo 4">
             <a:extLst>
               <a:ext uri="{FF2B5EF4-FFF2-40B4-BE49-F238E27FC236}">
-                <a16:creationId xmlns="" xmlns:a16="http://schemas.microsoft.com/office/drawing/2014/main" id="{23B3DD6D-E50E-4845-B927-E9D12B030A6B}"/>
+                <a16:creationId xmlns:a16="http://schemas.microsoft.com/office/drawing/2014/main" xmlns="" id="{23B3DD6D-E50E-4845-B927-E9D12B030A6B}"/>
               </a:ext>
             </a:extLst>
           </p:cNvPr>
@@ -4394,7 +4396,7 @@
           <p:cNvPr id="7" name="Elemento grafico 6">
             <a:extLst>
               <a:ext uri="{FF2B5EF4-FFF2-40B4-BE49-F238E27FC236}">
-                <a16:creationId xmlns="" xmlns:a16="http://schemas.microsoft.com/office/drawing/2014/main" id="{44882456-2ADB-42AC-B9D1-7B1A14E1F4B5}"/>
+                <a16:creationId xmlns:a16="http://schemas.microsoft.com/office/drawing/2014/main" xmlns="" id="{44882456-2ADB-42AC-B9D1-7B1A14E1F4B5}"/>
               </a:ext>
             </a:extLst>
           </p:cNvPr>
@@ -4407,7 +4409,7 @@
           <a:blip r:embed="rId2">
             <a:extLst>
               <a:ext uri="{96DAC541-7B7A-43D3-8B79-37D633B846F1}">
-                <asvg:svgBlip xmlns="" xmlns:asvg="http://schemas.microsoft.com/office/drawing/2016/SVG/main" r:embed="rId3"/>
+                <asvg:svgBlip xmlns:asvg="http://schemas.microsoft.com/office/drawing/2016/SVG/main" xmlns="" r:embed="rId3"/>
               </a:ext>
             </a:extLst>
           </a:blip>
@@ -4506,7 +4508,7 @@
           <p:cNvPr id="2" name="Elemento grafico 1">
             <a:extLst>
               <a:ext uri="{FF2B5EF4-FFF2-40B4-BE49-F238E27FC236}">
-                <a16:creationId xmlns="" xmlns:a16="http://schemas.microsoft.com/office/drawing/2014/main" id="{B367546C-1FC4-43F8-91BE-84AB0381C6D1}"/>
+                <a16:creationId xmlns:a16="http://schemas.microsoft.com/office/drawing/2014/main" xmlns="" id="{B367546C-1FC4-43F8-91BE-84AB0381C6D1}"/>
               </a:ext>
             </a:extLst>
           </p:cNvPr>
@@ -4519,7 +4521,7 @@
           <a:blip r:embed="rId2">
             <a:extLst>
               <a:ext uri="{96DAC541-7B7A-43D3-8B79-37D633B846F1}">
-                <asvg:svgBlip xmlns="" xmlns:asvg="http://schemas.microsoft.com/office/drawing/2016/SVG/main" r:embed="rId3"/>
+                <asvg:svgBlip xmlns:asvg="http://schemas.microsoft.com/office/drawing/2016/SVG/main" xmlns="" r:embed="rId3"/>
               </a:ext>
             </a:extLst>
           </a:blip>
@@ -4580,7 +4582,7 @@
           <p:cNvPr id="2" name="Segnaposto testo 4">
             <a:extLst>
               <a:ext uri="{FF2B5EF4-FFF2-40B4-BE49-F238E27FC236}">
-                <a16:creationId xmlns="" xmlns:a16="http://schemas.microsoft.com/office/drawing/2014/main" id="{32500E10-D138-40E6-83D9-84A4A669E765}"/>
+                <a16:creationId xmlns:a16="http://schemas.microsoft.com/office/drawing/2014/main" xmlns="" id="{32500E10-D138-40E6-83D9-84A4A669E765}"/>
               </a:ext>
             </a:extLst>
           </p:cNvPr>
@@ -4636,7 +4638,7 @@
           <p:cNvPr id="3" name="Segnaposto testo 4">
             <a:extLst>
               <a:ext uri="{FF2B5EF4-FFF2-40B4-BE49-F238E27FC236}">
-                <a16:creationId xmlns="" xmlns:a16="http://schemas.microsoft.com/office/drawing/2014/main" id="{C4583A6E-0BBE-4601-932D-059D57CF6DB8}"/>
+                <a16:creationId xmlns:a16="http://schemas.microsoft.com/office/drawing/2014/main" xmlns="" id="{C4583A6E-0BBE-4601-932D-059D57CF6DB8}"/>
               </a:ext>
             </a:extLst>
           </p:cNvPr>
@@ -4692,7 +4694,7 @@
           <p:cNvPr id="4" name="Segnaposto testo 4">
             <a:extLst>
               <a:ext uri="{FF2B5EF4-FFF2-40B4-BE49-F238E27FC236}">
-                <a16:creationId xmlns="" xmlns:a16="http://schemas.microsoft.com/office/drawing/2014/main" id="{9AD46FCD-0F80-429C-9EC1-EC7836D8AAB7}"/>
+                <a16:creationId xmlns:a16="http://schemas.microsoft.com/office/drawing/2014/main" xmlns="" id="{9AD46FCD-0F80-429C-9EC1-EC7836D8AAB7}"/>
               </a:ext>
             </a:extLst>
           </p:cNvPr>
@@ -5188,7 +5190,7 @@
           <p:cNvPr id="5" name="Segnaposto testo 4">
             <a:extLst>
               <a:ext uri="{FF2B5EF4-FFF2-40B4-BE49-F238E27FC236}">
-                <a16:creationId xmlns="" xmlns:a16="http://schemas.microsoft.com/office/drawing/2014/main" id="{F8C541B6-A529-4D85-BD0B-3DB591E35242}"/>
+                <a16:creationId xmlns:a16="http://schemas.microsoft.com/office/drawing/2014/main" xmlns="" id="{F8C541B6-A529-4D85-BD0B-3DB591E35242}"/>
               </a:ext>
             </a:extLst>
           </p:cNvPr>
@@ -5236,7 +5238,7 @@
           <p:cNvPr id="8" name="Elemento grafico 7">
             <a:extLst>
               <a:ext uri="{FF2B5EF4-FFF2-40B4-BE49-F238E27FC236}">
-                <a16:creationId xmlns="" xmlns:a16="http://schemas.microsoft.com/office/drawing/2014/main" id="{1A4FC0E6-7A0A-487A-A079-594207A65C3D}"/>
+                <a16:creationId xmlns:a16="http://schemas.microsoft.com/office/drawing/2014/main" xmlns="" id="{1A4FC0E6-7A0A-487A-A079-594207A65C3D}"/>
               </a:ext>
             </a:extLst>
           </p:cNvPr>
@@ -5249,7 +5251,7 @@
           <a:blip r:embed="rId2">
             <a:extLst>
               <a:ext uri="{96DAC541-7B7A-43D3-8B79-37D633B846F1}">
-                <asvg:svgBlip xmlns="" xmlns:asvg="http://schemas.microsoft.com/office/drawing/2016/SVG/main" r:embed="rId3"/>
+                <asvg:svgBlip xmlns:asvg="http://schemas.microsoft.com/office/drawing/2016/SVG/main" xmlns="" r:embed="rId3"/>
               </a:ext>
             </a:extLst>
           </a:blip>
@@ -5272,7 +5274,7 @@
           <p:cNvPr id="9" name="Elemento grafico 8">
             <a:extLst>
               <a:ext uri="{FF2B5EF4-FFF2-40B4-BE49-F238E27FC236}">
-                <a16:creationId xmlns="" xmlns:a16="http://schemas.microsoft.com/office/drawing/2014/main" id="{C67F6255-A712-4386-96E0-CE346F851452}"/>
+                <a16:creationId xmlns:a16="http://schemas.microsoft.com/office/drawing/2014/main" xmlns="" id="{C67F6255-A712-4386-96E0-CE346F851452}"/>
               </a:ext>
             </a:extLst>
           </p:cNvPr>
@@ -5285,7 +5287,7 @@
           <a:blip r:embed="rId4">
             <a:extLst>
               <a:ext uri="{96DAC541-7B7A-43D3-8B79-37D633B846F1}">
-                <asvg:svgBlip xmlns="" xmlns:asvg="http://schemas.microsoft.com/office/drawing/2016/SVG/main" r:embed="rId5"/>
+                <asvg:svgBlip xmlns:asvg="http://schemas.microsoft.com/office/drawing/2016/SVG/main" xmlns="" r:embed="rId5"/>
               </a:ext>
             </a:extLst>
           </a:blip>
@@ -5308,7 +5310,7 @@
           <p:cNvPr id="10" name="Elemento grafico 9">
             <a:extLst>
               <a:ext uri="{FF2B5EF4-FFF2-40B4-BE49-F238E27FC236}">
-                <a16:creationId xmlns="" xmlns:a16="http://schemas.microsoft.com/office/drawing/2014/main" id="{E11C9D7C-703A-4EDF-A0D3-4E6FB0D6CF80}"/>
+                <a16:creationId xmlns:a16="http://schemas.microsoft.com/office/drawing/2014/main" xmlns="" id="{E11C9D7C-703A-4EDF-A0D3-4E6FB0D6CF80}"/>
               </a:ext>
             </a:extLst>
           </p:cNvPr>
@@ -5321,7 +5323,7 @@
           <a:blip r:embed="rId6">
             <a:extLst>
               <a:ext uri="{96DAC541-7B7A-43D3-8B79-37D633B846F1}">
-                <asvg:svgBlip xmlns="" xmlns:asvg="http://schemas.microsoft.com/office/drawing/2016/SVG/main" r:embed="rId7"/>
+                <asvg:svgBlip xmlns:asvg="http://schemas.microsoft.com/office/drawing/2016/SVG/main" xmlns="" r:embed="rId7"/>
               </a:ext>
             </a:extLst>
           </a:blip>
@@ -5382,7 +5384,7 @@
           <p:cNvPr id="2" name="Segnaposto testo 4">
             <a:extLst>
               <a:ext uri="{FF2B5EF4-FFF2-40B4-BE49-F238E27FC236}">
-                <a16:creationId xmlns="" xmlns:a16="http://schemas.microsoft.com/office/drawing/2014/main" id="{23B3DD6D-E50E-4845-B927-E9D12B030A6B}"/>
+                <a16:creationId xmlns:a16="http://schemas.microsoft.com/office/drawing/2014/main" xmlns="" id="{23B3DD6D-E50E-4845-B927-E9D12B030A6B}"/>
               </a:ext>
             </a:extLst>
           </p:cNvPr>
@@ -5430,7 +5432,7 @@
           <p:cNvPr id="7" name="Elemento grafico 6">
             <a:extLst>
               <a:ext uri="{FF2B5EF4-FFF2-40B4-BE49-F238E27FC236}">
-                <a16:creationId xmlns="" xmlns:a16="http://schemas.microsoft.com/office/drawing/2014/main" id="{44882456-2ADB-42AC-B9D1-7B1A14E1F4B5}"/>
+                <a16:creationId xmlns:a16="http://schemas.microsoft.com/office/drawing/2014/main" xmlns="" id="{44882456-2ADB-42AC-B9D1-7B1A14E1F4B5}"/>
               </a:ext>
             </a:extLst>
           </p:cNvPr>
@@ -5443,7 +5445,7 @@
           <a:blip r:embed="rId2">
             <a:extLst>
               <a:ext uri="{96DAC541-7B7A-43D3-8B79-37D633B846F1}">
-                <asvg:svgBlip xmlns="" xmlns:asvg="http://schemas.microsoft.com/office/drawing/2016/SVG/main" r:embed="rId3"/>
+                <asvg:svgBlip xmlns:asvg="http://schemas.microsoft.com/office/drawing/2016/SVG/main" xmlns="" r:embed="rId3"/>
               </a:ext>
             </a:extLst>
           </a:blip>
@@ -5542,7 +5544,7 @@
           <p:cNvPr id="2" name="Elemento grafico 1">
             <a:extLst>
               <a:ext uri="{FF2B5EF4-FFF2-40B4-BE49-F238E27FC236}">
-                <a16:creationId xmlns="" xmlns:a16="http://schemas.microsoft.com/office/drawing/2014/main" id="{B367546C-1FC4-43F8-91BE-84AB0381C6D1}"/>
+                <a16:creationId xmlns:a16="http://schemas.microsoft.com/office/drawing/2014/main" xmlns="" id="{B367546C-1FC4-43F8-91BE-84AB0381C6D1}"/>
               </a:ext>
             </a:extLst>
           </p:cNvPr>
@@ -5555,7 +5557,7 @@
           <a:blip r:embed="rId2">
             <a:extLst>
               <a:ext uri="{96DAC541-7B7A-43D3-8B79-37D633B846F1}">
-                <asvg:svgBlip xmlns="" xmlns:asvg="http://schemas.microsoft.com/office/drawing/2016/SVG/main" r:embed="rId3"/>
+                <asvg:svgBlip xmlns:asvg="http://schemas.microsoft.com/office/drawing/2016/SVG/main" xmlns="" r:embed="rId3"/>
               </a:ext>
             </a:extLst>
           </a:blip>
@@ -5616,7 +5618,7 @@
           <p:cNvPr id="2" name="Elemento grafico 1">
             <a:extLst>
               <a:ext uri="{FF2B5EF4-FFF2-40B4-BE49-F238E27FC236}">
-                <a16:creationId xmlns="" xmlns:a16="http://schemas.microsoft.com/office/drawing/2014/main" id="{B367546C-1FC4-43F8-91BE-84AB0381C6D1}"/>
+                <a16:creationId xmlns:a16="http://schemas.microsoft.com/office/drawing/2014/main" xmlns="" id="{B367546C-1FC4-43F8-91BE-84AB0381C6D1}"/>
               </a:ext>
             </a:extLst>
           </p:cNvPr>
@@ -5629,7 +5631,7 @@
           <a:blip r:embed="rId2">
             <a:extLst>
               <a:ext uri="{96DAC541-7B7A-43D3-8B79-37D633B846F1}">
-                <asvg:svgBlip xmlns="" xmlns:asvg="http://schemas.microsoft.com/office/drawing/2016/SVG/main" r:embed="rId3"/>
+                <asvg:svgBlip xmlns:asvg="http://schemas.microsoft.com/office/drawing/2016/SVG/main" xmlns="" r:embed="rId3"/>
               </a:ext>
             </a:extLst>
           </a:blip>
@@ -5652,7 +5654,7 @@
           <p:cNvPr id="3" name="Immagine 12">
             <a:extLst>
               <a:ext uri="{FF2B5EF4-FFF2-40B4-BE49-F238E27FC236}">
-                <a16:creationId xmlns="" xmlns:a16="http://schemas.microsoft.com/office/drawing/2014/main" id="{9D13CD2A-9E12-4C19-8874-3312FC6BE240}"/>
+                <a16:creationId xmlns:a16="http://schemas.microsoft.com/office/drawing/2014/main" xmlns="" id="{9D13CD2A-9E12-4C19-8874-3312FC6BE240}"/>
               </a:ext>
             </a:extLst>
           </p:cNvPr>
@@ -5726,7 +5728,7 @@
           <p:cNvPr id="2" name="Elemento grafico 1">
             <a:extLst>
               <a:ext uri="{FF2B5EF4-FFF2-40B4-BE49-F238E27FC236}">
-                <a16:creationId xmlns="" xmlns:a16="http://schemas.microsoft.com/office/drawing/2014/main" id="{B367546C-1FC4-43F8-91BE-84AB0381C6D1}"/>
+                <a16:creationId xmlns:a16="http://schemas.microsoft.com/office/drawing/2014/main" xmlns="" id="{B367546C-1FC4-43F8-91BE-84AB0381C6D1}"/>
               </a:ext>
             </a:extLst>
           </p:cNvPr>
@@ -5739,7 +5741,7 @@
           <a:blip r:embed="rId2">
             <a:extLst>
               <a:ext uri="{96DAC541-7B7A-43D3-8B79-37D633B846F1}">
-                <asvg:svgBlip xmlns="" xmlns:asvg="http://schemas.microsoft.com/office/drawing/2016/SVG/main" r:embed="rId3"/>
+                <asvg:svgBlip xmlns:asvg="http://schemas.microsoft.com/office/drawing/2016/SVG/main" xmlns="" r:embed="rId3"/>
               </a:ext>
             </a:extLst>
           </a:blip>
@@ -5800,7 +5802,7 @@
           <p:cNvPr id="2" name="Elemento grafico 1">
             <a:extLst>
               <a:ext uri="{FF2B5EF4-FFF2-40B4-BE49-F238E27FC236}">
-                <a16:creationId xmlns="" xmlns:a16="http://schemas.microsoft.com/office/drawing/2014/main" id="{B367546C-1FC4-43F8-91BE-84AB0381C6D1}"/>
+                <a16:creationId xmlns:a16="http://schemas.microsoft.com/office/drawing/2014/main" xmlns="" id="{B367546C-1FC4-43F8-91BE-84AB0381C6D1}"/>
               </a:ext>
             </a:extLst>
           </p:cNvPr>
@@ -5813,7 +5815,7 @@
           <a:blip r:embed="rId2">
             <a:extLst>
               <a:ext uri="{96DAC541-7B7A-43D3-8B79-37D633B846F1}">
-                <asvg:svgBlip xmlns="" xmlns:asvg="http://schemas.microsoft.com/office/drawing/2016/SVG/main" r:embed="rId3"/>
+                <asvg:svgBlip xmlns:asvg="http://schemas.microsoft.com/office/drawing/2016/SVG/main" xmlns="" r:embed="rId3"/>
               </a:ext>
             </a:extLst>
           </a:blip>
@@ -5874,7 +5876,7 @@
           <p:cNvPr id="2" name="Segnaposto testo 4">
             <a:extLst>
               <a:ext uri="{FF2B5EF4-FFF2-40B4-BE49-F238E27FC236}">
-                <a16:creationId xmlns="" xmlns:a16="http://schemas.microsoft.com/office/drawing/2014/main" id="{32500E10-D138-40E6-83D9-84A4A669E765}"/>
+                <a16:creationId xmlns:a16="http://schemas.microsoft.com/office/drawing/2014/main" xmlns="" id="{32500E10-D138-40E6-83D9-84A4A669E765}"/>
               </a:ext>
             </a:extLst>
           </p:cNvPr>
@@ -5930,7 +5932,7 @@
           <p:cNvPr id="3" name="Segnaposto testo 4">
             <a:extLst>
               <a:ext uri="{FF2B5EF4-FFF2-40B4-BE49-F238E27FC236}">
-                <a16:creationId xmlns="" xmlns:a16="http://schemas.microsoft.com/office/drawing/2014/main" id="{C4583A6E-0BBE-4601-932D-059D57CF6DB8}"/>
+                <a16:creationId xmlns:a16="http://schemas.microsoft.com/office/drawing/2014/main" xmlns="" id="{C4583A6E-0BBE-4601-932D-059D57CF6DB8}"/>
               </a:ext>
             </a:extLst>
           </p:cNvPr>
@@ -5986,7 +5988,7 @@
           <p:cNvPr id="4" name="Segnaposto testo 4">
             <a:extLst>
               <a:ext uri="{FF2B5EF4-FFF2-40B4-BE49-F238E27FC236}">
-                <a16:creationId xmlns="" xmlns:a16="http://schemas.microsoft.com/office/drawing/2014/main" id="{9AD46FCD-0F80-429C-9EC1-EC7836D8AAB7}"/>
+                <a16:creationId xmlns:a16="http://schemas.microsoft.com/office/drawing/2014/main" xmlns="" id="{9AD46FCD-0F80-429C-9EC1-EC7836D8AAB7}"/>
               </a:ext>
             </a:extLst>
           </p:cNvPr>
@@ -6482,7 +6484,7 @@
           <p:cNvPr id="5" name="Segnaposto testo 4">
             <a:extLst>
               <a:ext uri="{FF2B5EF4-FFF2-40B4-BE49-F238E27FC236}">
-                <a16:creationId xmlns="" xmlns:a16="http://schemas.microsoft.com/office/drawing/2014/main" id="{F8C541B6-A529-4D85-BD0B-3DB591E35242}"/>
+                <a16:creationId xmlns:a16="http://schemas.microsoft.com/office/drawing/2014/main" xmlns="" id="{F8C541B6-A529-4D85-BD0B-3DB591E35242}"/>
               </a:ext>
             </a:extLst>
           </p:cNvPr>
@@ -6530,7 +6532,7 @@
           <p:cNvPr id="8" name="Elemento grafico 7">
             <a:extLst>
               <a:ext uri="{FF2B5EF4-FFF2-40B4-BE49-F238E27FC236}">
-                <a16:creationId xmlns="" xmlns:a16="http://schemas.microsoft.com/office/drawing/2014/main" id="{1A4FC0E6-7A0A-487A-A079-594207A65C3D}"/>
+                <a16:creationId xmlns:a16="http://schemas.microsoft.com/office/drawing/2014/main" xmlns="" id="{1A4FC0E6-7A0A-487A-A079-594207A65C3D}"/>
               </a:ext>
             </a:extLst>
           </p:cNvPr>
@@ -6543,7 +6545,7 @@
           <a:blip r:embed="rId2">
             <a:extLst>
               <a:ext uri="{96DAC541-7B7A-43D3-8B79-37D633B846F1}">
-                <asvg:svgBlip xmlns="" xmlns:asvg="http://schemas.microsoft.com/office/drawing/2016/SVG/main" r:embed="rId3"/>
+                <asvg:svgBlip xmlns:asvg="http://schemas.microsoft.com/office/drawing/2016/SVG/main" xmlns="" r:embed="rId3"/>
               </a:ext>
             </a:extLst>
           </a:blip>
@@ -6566,7 +6568,7 @@
           <p:cNvPr id="9" name="Elemento grafico 8">
             <a:extLst>
               <a:ext uri="{FF2B5EF4-FFF2-40B4-BE49-F238E27FC236}">
-                <a16:creationId xmlns="" xmlns:a16="http://schemas.microsoft.com/office/drawing/2014/main" id="{C67F6255-A712-4386-96E0-CE346F851452}"/>
+                <a16:creationId xmlns:a16="http://schemas.microsoft.com/office/drawing/2014/main" xmlns="" id="{C67F6255-A712-4386-96E0-CE346F851452}"/>
               </a:ext>
             </a:extLst>
           </p:cNvPr>
@@ -6579,7 +6581,7 @@
           <a:blip r:embed="rId4">
             <a:extLst>
               <a:ext uri="{96DAC541-7B7A-43D3-8B79-37D633B846F1}">
-                <asvg:svgBlip xmlns="" xmlns:asvg="http://schemas.microsoft.com/office/drawing/2016/SVG/main" r:embed="rId5"/>
+                <asvg:svgBlip xmlns:asvg="http://schemas.microsoft.com/office/drawing/2016/SVG/main" xmlns="" r:embed="rId5"/>
               </a:ext>
             </a:extLst>
           </a:blip>
@@ -6602,7 +6604,7 @@
           <p:cNvPr id="10" name="Elemento grafico 9">
             <a:extLst>
               <a:ext uri="{FF2B5EF4-FFF2-40B4-BE49-F238E27FC236}">
-                <a16:creationId xmlns="" xmlns:a16="http://schemas.microsoft.com/office/drawing/2014/main" id="{E11C9D7C-703A-4EDF-A0D3-4E6FB0D6CF80}"/>
+                <a16:creationId xmlns:a16="http://schemas.microsoft.com/office/drawing/2014/main" xmlns="" id="{E11C9D7C-703A-4EDF-A0D3-4E6FB0D6CF80}"/>
               </a:ext>
             </a:extLst>
           </p:cNvPr>
@@ -6615,7 +6617,7 @@
           <a:blip r:embed="rId6">
             <a:extLst>
               <a:ext uri="{96DAC541-7B7A-43D3-8B79-37D633B846F1}">
-                <asvg:svgBlip xmlns="" xmlns:asvg="http://schemas.microsoft.com/office/drawing/2016/SVG/main" r:embed="rId7"/>
+                <asvg:svgBlip xmlns:asvg="http://schemas.microsoft.com/office/drawing/2016/SVG/main" xmlns="" r:embed="rId7"/>
               </a:ext>
             </a:extLst>
           </a:blip>
@@ -6676,7 +6678,7 @@
           <p:cNvPr id="5" name="Segnaposto testo 4">
             <a:extLst>
               <a:ext uri="{FF2B5EF4-FFF2-40B4-BE49-F238E27FC236}">
-                <a16:creationId xmlns="" xmlns:a16="http://schemas.microsoft.com/office/drawing/2014/main" id="{7E360A55-0A1C-4A9F-91D9-32E5DA43DF70}"/>
+                <a16:creationId xmlns:a16="http://schemas.microsoft.com/office/drawing/2014/main" xmlns="" id="{7E360A55-0A1C-4A9F-91D9-32E5DA43DF70}"/>
               </a:ext>
             </a:extLst>
           </p:cNvPr>
@@ -6724,7 +6726,7 @@
           <p:cNvPr id="8" name="Segnaposto testo 4">
             <a:extLst>
               <a:ext uri="{FF2B5EF4-FFF2-40B4-BE49-F238E27FC236}">
-                <a16:creationId xmlns="" xmlns:a16="http://schemas.microsoft.com/office/drawing/2014/main" id="{DB3F8653-86F4-48B6-8998-7AB719585006}"/>
+                <a16:creationId xmlns:a16="http://schemas.microsoft.com/office/drawing/2014/main" xmlns="" id="{DB3F8653-86F4-48B6-8998-7AB719585006}"/>
               </a:ext>
             </a:extLst>
           </p:cNvPr>
@@ -6769,7 +6771,7 @@
           <p:cNvPr id="9" name="Segnaposto testo 4">
             <a:extLst>
               <a:ext uri="{FF2B5EF4-FFF2-40B4-BE49-F238E27FC236}">
-                <a16:creationId xmlns="" xmlns:a16="http://schemas.microsoft.com/office/drawing/2014/main" id="{BCB409CE-4779-466F-9DD6-81F87907C42A}"/>
+                <a16:creationId xmlns:a16="http://schemas.microsoft.com/office/drawing/2014/main" xmlns="" id="{BCB409CE-4779-466F-9DD6-81F87907C42A}"/>
               </a:ext>
             </a:extLst>
           </p:cNvPr>
@@ -6828,7 +6830,7 @@
           <p:cNvPr id="10" name="Segnaposto testo 4">
             <a:extLst>
               <a:ext uri="{FF2B5EF4-FFF2-40B4-BE49-F238E27FC236}">
-                <a16:creationId xmlns="" xmlns:a16="http://schemas.microsoft.com/office/drawing/2014/main" id="{81AA2940-AAEB-48A2-9E64-3F70D79CCC2C}"/>
+                <a16:creationId xmlns:a16="http://schemas.microsoft.com/office/drawing/2014/main" xmlns="" id="{81AA2940-AAEB-48A2-9E64-3F70D79CCC2C}"/>
               </a:ext>
             </a:extLst>
           </p:cNvPr>
@@ -6892,7 +6894,7 @@
           <p:cNvPr id="11" name="Segnaposto testo 4">
             <a:extLst>
               <a:ext uri="{FF2B5EF4-FFF2-40B4-BE49-F238E27FC236}">
-                <a16:creationId xmlns="" xmlns:a16="http://schemas.microsoft.com/office/drawing/2014/main" id="{BF4A6CB6-C596-4A3C-84DA-CC933C03D4F1}"/>
+                <a16:creationId xmlns:a16="http://schemas.microsoft.com/office/drawing/2014/main" xmlns="" id="{BF4A6CB6-C596-4A3C-84DA-CC933C03D4F1}"/>
               </a:ext>
             </a:extLst>
           </p:cNvPr>
@@ -6940,7 +6942,7 @@
           <p:cNvPr id="7" name="Segnaposto testo 4">
             <a:extLst>
               <a:ext uri="{FF2B5EF4-FFF2-40B4-BE49-F238E27FC236}">
-                <a16:creationId xmlns="" xmlns:a16="http://schemas.microsoft.com/office/drawing/2014/main" id="{9A92C762-B7B4-42DD-BEEC-24A9151C5C87}"/>
+                <a16:creationId xmlns:a16="http://schemas.microsoft.com/office/drawing/2014/main" xmlns="" id="{9A92C762-B7B4-42DD-BEEC-24A9151C5C87}"/>
               </a:ext>
             </a:extLst>
           </p:cNvPr>
@@ -6988,7 +6990,7 @@
           <p:cNvPr id="2" name="Elemento grafico 1">
             <a:extLst>
               <a:ext uri="{FF2B5EF4-FFF2-40B4-BE49-F238E27FC236}">
-                <a16:creationId xmlns="" xmlns:a16="http://schemas.microsoft.com/office/drawing/2014/main" id="{7AA7CE67-4E45-4DFB-A7A9-B595FFE90573}"/>
+                <a16:creationId xmlns:a16="http://schemas.microsoft.com/office/drawing/2014/main" xmlns="" id="{7AA7CE67-4E45-4DFB-A7A9-B595FFE90573}"/>
               </a:ext>
             </a:extLst>
           </p:cNvPr>
@@ -7001,7 +7003,7 @@
           <a:blip r:embed="rId2">
             <a:extLst>
               <a:ext uri="{96DAC541-7B7A-43D3-8B79-37D633B846F1}">
-                <asvg:svgBlip xmlns="" xmlns:asvg="http://schemas.microsoft.com/office/drawing/2016/SVG/main" r:embed="rId3"/>
+                <asvg:svgBlip xmlns:asvg="http://schemas.microsoft.com/office/drawing/2016/SVG/main" xmlns="" r:embed="rId3"/>
               </a:ext>
             </a:extLst>
           </a:blip>
@@ -7024,7 +7026,7 @@
           <p:cNvPr id="3" name="Elemento grafico 2">
             <a:extLst>
               <a:ext uri="{FF2B5EF4-FFF2-40B4-BE49-F238E27FC236}">
-                <a16:creationId xmlns="" xmlns:a16="http://schemas.microsoft.com/office/drawing/2014/main" id="{920AC855-D3EE-461B-96A9-F7EE753BE4F4}"/>
+                <a16:creationId xmlns:a16="http://schemas.microsoft.com/office/drawing/2014/main" xmlns="" id="{920AC855-D3EE-461B-96A9-F7EE753BE4F4}"/>
               </a:ext>
             </a:extLst>
           </p:cNvPr>
@@ -7037,7 +7039,7 @@
           <a:blip r:embed="rId4">
             <a:extLst>
               <a:ext uri="{96DAC541-7B7A-43D3-8B79-37D633B846F1}">
-                <asvg:svgBlip xmlns="" xmlns:asvg="http://schemas.microsoft.com/office/drawing/2016/SVG/main" r:embed="rId5"/>
+                <asvg:svgBlip xmlns:asvg="http://schemas.microsoft.com/office/drawing/2016/SVG/main" xmlns="" r:embed="rId5"/>
               </a:ext>
             </a:extLst>
           </a:blip>
@@ -7099,6 +7101,54 @@
           <a:chExt cx="0" cy="0"/>
         </a:xfrm>
       </p:grpSpPr>
+      <p:sp>
+        <p:nvSpPr>
+          <p:cNvPr id="2" name="MSIPCMContentMarking" descr="{&quot;HashCode&quot;:-1626385261,&quot;Placement&quot;:&quot;Footer&quot;,&quot;Top&quot;:519.343,&quot;Left&quot;:0.0,&quot;SlideWidth&quot;:960,&quot;SlideHeight&quot;:540}"/>
+          <p:cNvSpPr txBox="1"/>
+          <p:nvPr userDrawn="1"/>
+        </p:nvSpPr>
+        <p:spPr>
+          <a:xfrm>
+            <a:off x="0" y="6595656"/>
+            <a:ext cx="1142890" cy="262344"/>
+          </a:xfrm>
+          <a:prstGeom prst="rect">
+            <a:avLst/>
+          </a:prstGeom>
+          <a:noFill/>
+        </p:spPr>
+        <p:txBody>
+          <a:bodyPr vert="horz" wrap="square" lIns="0" tIns="0" rIns="0" bIns="0" rtlCol="0" anchor="ctr" anchorCtr="1">
+            <a:spAutoFit/>
+          </a:bodyPr>
+          <a:lstStyle/>
+          <a:p>
+            <a:pPr algn="l">
+              <a:spcBef>
+                <a:spcPts val="0"/>
+              </a:spcBef>
+              <a:spcAft>
+                <a:spcPts val="0"/>
+              </a:spcAft>
+            </a:pPr>
+            <a:r>
+              <a:rPr lang="cs-CZ" sz="1000" smtClean="0">
+                <a:solidFill>
+                  <a:srgbClr val="000000"/>
+                </a:solidFill>
+                <a:latin typeface="Calibri" panose="020F0502020204030204" pitchFamily="34" charset="0"/>
+              </a:rPr>
+              <a:t>Interní / Internal</a:t>
+            </a:r>
+            <a:endParaRPr lang="cs-CZ" sz="1000">
+              <a:solidFill>
+                <a:srgbClr val="000000"/>
+              </a:solidFill>
+              <a:latin typeface="Calibri" panose="020F0502020204030204" pitchFamily="34" charset="0"/>
+            </a:endParaRPr>
+          </a:p>
+        </p:txBody>
+      </p:sp>
     </p:spTree>
     <p:extLst>
       <p:ext uri="{BB962C8B-B14F-4D97-AF65-F5344CB8AC3E}">
@@ -7432,6 +7482,54 @@
           <a:chExt cx="0" cy="0"/>
         </a:xfrm>
       </p:grpSpPr>
+      <p:sp>
+        <p:nvSpPr>
+          <p:cNvPr id="2" name="MSIPCMContentMarking" descr="{&quot;HashCode&quot;:-1626385261,&quot;Placement&quot;:&quot;Footer&quot;,&quot;Top&quot;:519.343,&quot;Left&quot;:0.0,&quot;SlideWidth&quot;:960,&quot;SlideHeight&quot;:540}"/>
+          <p:cNvSpPr txBox="1"/>
+          <p:nvPr userDrawn="1"/>
+        </p:nvSpPr>
+        <p:spPr>
+          <a:xfrm>
+            <a:off x="0" y="6595656"/>
+            <a:ext cx="1142890" cy="262344"/>
+          </a:xfrm>
+          <a:prstGeom prst="rect">
+            <a:avLst/>
+          </a:prstGeom>
+          <a:noFill/>
+        </p:spPr>
+        <p:txBody>
+          <a:bodyPr vert="horz" wrap="square" lIns="0" tIns="0" rIns="0" bIns="0" rtlCol="0" anchor="ctr" anchorCtr="1">
+            <a:spAutoFit/>
+          </a:bodyPr>
+          <a:lstStyle/>
+          <a:p>
+            <a:pPr algn="l">
+              <a:spcBef>
+                <a:spcPts val="0"/>
+              </a:spcBef>
+              <a:spcAft>
+                <a:spcPts val="0"/>
+              </a:spcAft>
+            </a:pPr>
+            <a:r>
+              <a:rPr lang="cs-CZ" sz="1000" smtClean="0">
+                <a:solidFill>
+                  <a:srgbClr val="000000"/>
+                </a:solidFill>
+                <a:latin typeface="Calibri" panose="020F0502020204030204" pitchFamily="34" charset="0"/>
+              </a:rPr>
+              <a:t>Interní / Internal</a:t>
+            </a:r>
+            <a:endParaRPr lang="cs-CZ" sz="1000">
+              <a:solidFill>
+                <a:srgbClr val="000000"/>
+              </a:solidFill>
+              <a:latin typeface="Calibri" panose="020F0502020204030204" pitchFamily="34" charset="0"/>
+            </a:endParaRPr>
+          </a:p>
+        </p:txBody>
+      </p:sp>
     </p:spTree>
     <p:extLst>
       <p:ext uri="{BB962C8B-B14F-4D97-AF65-F5344CB8AC3E}">
@@ -7753,7 +7851,7 @@
           <p:cNvPr id="2" name="Text Placeholder 1">
             <a:extLst>
               <a:ext uri="{FF2B5EF4-FFF2-40B4-BE49-F238E27FC236}">
-                <a16:creationId xmlns="" xmlns:a16="http://schemas.microsoft.com/office/drawing/2014/main" id="{015829B3-AD7A-4EF2-BD62-12C1E46D9234}"/>
+                <a16:creationId xmlns:a16="http://schemas.microsoft.com/office/drawing/2014/main" xmlns="" id="{015829B3-AD7A-4EF2-BD62-12C1E46D9234}"/>
               </a:ext>
             </a:extLst>
           </p:cNvPr>
@@ -7787,7 +7885,7 @@
           <p:cNvPr id="3" name="Text Placeholder 2">
             <a:extLst>
               <a:ext uri="{FF2B5EF4-FFF2-40B4-BE49-F238E27FC236}">
-                <a16:creationId xmlns="" xmlns:a16="http://schemas.microsoft.com/office/drawing/2014/main" id="{6A79DA09-4BFC-44D7-B023-19E4BD757F2E}"/>
+                <a16:creationId xmlns:a16="http://schemas.microsoft.com/office/drawing/2014/main" xmlns="" id="{6A79DA09-4BFC-44D7-B023-19E4BD757F2E}"/>
               </a:ext>
             </a:extLst>
           </p:cNvPr>
@@ -7821,7 +7919,7 @@
           <p:cNvPr id="4" name="Text Placeholder 3">
             <a:extLst>
               <a:ext uri="{FF2B5EF4-FFF2-40B4-BE49-F238E27FC236}">
-                <a16:creationId xmlns="" xmlns:a16="http://schemas.microsoft.com/office/drawing/2014/main" id="{2676E6B7-FAA0-4F5E-9593-124CBC5AD5CA}"/>
+                <a16:creationId xmlns:a16="http://schemas.microsoft.com/office/drawing/2014/main" xmlns="" id="{2676E6B7-FAA0-4F5E-9593-124CBC5AD5CA}"/>
               </a:ext>
             </a:extLst>
           </p:cNvPr>
@@ -7897,7 +7995,7 @@
           <p:cNvPr id="9" name="Text Placeholder 6">
             <a:extLst>
               <a:ext uri="{FF2B5EF4-FFF2-40B4-BE49-F238E27FC236}">
-                <a16:creationId xmlns="" xmlns:a16="http://schemas.microsoft.com/office/drawing/2014/main" id="{A985D568-17A8-4389-8FF4-D8E90EF16C71}"/>
+                <a16:creationId xmlns:a16="http://schemas.microsoft.com/office/drawing/2014/main" xmlns="" id="{A985D568-17A8-4389-8FF4-D8E90EF16C71}"/>
               </a:ext>
             </a:extLst>
           </p:cNvPr>
@@ -7968,7 +8066,7 @@
           <p:cNvPr id="27" name="Slide Number Placeholder 2">
             <a:extLst>
               <a:ext uri="{FF2B5EF4-FFF2-40B4-BE49-F238E27FC236}">
-                <a16:creationId xmlns="" xmlns:a16="http://schemas.microsoft.com/office/drawing/2014/main" id="{56A888AD-220E-4C11-9395-7651DF666760}"/>
+                <a16:creationId xmlns:a16="http://schemas.microsoft.com/office/drawing/2014/main" xmlns="" id="{56A888AD-220E-4C11-9395-7651DF666760}"/>
               </a:ext>
             </a:extLst>
           </p:cNvPr>
@@ -8226,7 +8324,7 @@
           <p:cNvPr id="24" name="Title 4">
             <a:extLst>
               <a:ext uri="{FF2B5EF4-FFF2-40B4-BE49-F238E27FC236}">
-                <a16:creationId xmlns="" xmlns:a16="http://schemas.microsoft.com/office/drawing/2014/main" id="{B09E3917-3D86-42FA-977E-6CF5A6B665F5}"/>
+                <a16:creationId xmlns:a16="http://schemas.microsoft.com/office/drawing/2014/main" xmlns="" id="{B09E3917-3D86-42FA-977E-6CF5A6B665F5}"/>
               </a:ext>
             </a:extLst>
           </p:cNvPr>
@@ -8297,7 +8395,7 @@
           <p:cNvPr id="3" name="TextBox 2">
             <a:extLst>
               <a:ext uri="{FF2B5EF4-FFF2-40B4-BE49-F238E27FC236}">
-                <a16:creationId xmlns="" xmlns:a16="http://schemas.microsoft.com/office/drawing/2014/main" id="{E6AC5206-17D6-4CF5-8E1D-130170A0ED3F}"/>
+                <a16:creationId xmlns:a16="http://schemas.microsoft.com/office/drawing/2014/main" xmlns="" id="{E6AC5206-17D6-4CF5-8E1D-130170A0ED3F}"/>
               </a:ext>
             </a:extLst>
           </p:cNvPr>
@@ -8434,7 +8532,7 @@
           <p:cNvPr id="27" name="Slide Number Placeholder 2">
             <a:extLst>
               <a:ext uri="{FF2B5EF4-FFF2-40B4-BE49-F238E27FC236}">
-                <a16:creationId xmlns="" xmlns:a16="http://schemas.microsoft.com/office/drawing/2014/main" id="{56A888AD-220E-4C11-9395-7651DF666760}"/>
+                <a16:creationId xmlns:a16="http://schemas.microsoft.com/office/drawing/2014/main" xmlns="" id="{56A888AD-220E-4C11-9395-7651DF666760}"/>
               </a:ext>
             </a:extLst>
           </p:cNvPr>
@@ -8692,7 +8790,7 @@
           <p:cNvPr id="24" name="Title 4">
             <a:extLst>
               <a:ext uri="{FF2B5EF4-FFF2-40B4-BE49-F238E27FC236}">
-                <a16:creationId xmlns="" xmlns:a16="http://schemas.microsoft.com/office/drawing/2014/main" id="{B09E3917-3D86-42FA-977E-6CF5A6B665F5}"/>
+                <a16:creationId xmlns:a16="http://schemas.microsoft.com/office/drawing/2014/main" xmlns="" id="{B09E3917-3D86-42FA-977E-6CF5A6B665F5}"/>
               </a:ext>
             </a:extLst>
           </p:cNvPr>
@@ -8763,7 +8861,7 @@
           <p:cNvPr id="2" name="Oval 1">
             <a:extLst>
               <a:ext uri="{FF2B5EF4-FFF2-40B4-BE49-F238E27FC236}">
-                <a16:creationId xmlns="" xmlns:a16="http://schemas.microsoft.com/office/drawing/2014/main" id="{3CC5C1B2-F9C5-4BE0-B316-D7473F4CBEE7}"/>
+                <a16:creationId xmlns:a16="http://schemas.microsoft.com/office/drawing/2014/main" xmlns="" id="{3CC5C1B2-F9C5-4BE0-B316-D7473F4CBEE7}"/>
               </a:ext>
             </a:extLst>
           </p:cNvPr>
@@ -8822,7 +8920,7 @@
           <p:cNvPr id="5" name="Oval 4">
             <a:extLst>
               <a:ext uri="{FF2B5EF4-FFF2-40B4-BE49-F238E27FC236}">
-                <a16:creationId xmlns="" xmlns:a16="http://schemas.microsoft.com/office/drawing/2014/main" id="{93EF6924-1207-45D5-B9B9-C9DD6336FDE7}"/>
+                <a16:creationId xmlns:a16="http://schemas.microsoft.com/office/drawing/2014/main" xmlns="" id="{93EF6924-1207-45D5-B9B9-C9DD6336FDE7}"/>
               </a:ext>
             </a:extLst>
           </p:cNvPr>
@@ -8881,7 +8979,7 @@
           <p:cNvPr id="6" name="Oval 5">
             <a:extLst>
               <a:ext uri="{FF2B5EF4-FFF2-40B4-BE49-F238E27FC236}">
-                <a16:creationId xmlns="" xmlns:a16="http://schemas.microsoft.com/office/drawing/2014/main" id="{108CEB1B-7CC3-46D7-AF7E-E481C18A6A3F}"/>
+                <a16:creationId xmlns:a16="http://schemas.microsoft.com/office/drawing/2014/main" xmlns="" id="{108CEB1B-7CC3-46D7-AF7E-E481C18A6A3F}"/>
               </a:ext>
             </a:extLst>
           </p:cNvPr>
@@ -8940,7 +9038,7 @@
           <p:cNvPr id="7" name="Oval 6">
             <a:extLst>
               <a:ext uri="{FF2B5EF4-FFF2-40B4-BE49-F238E27FC236}">
-                <a16:creationId xmlns="" xmlns:a16="http://schemas.microsoft.com/office/drawing/2014/main" id="{E90E8C09-101B-4FED-B231-8766CC8E7FEC}"/>
+                <a16:creationId xmlns:a16="http://schemas.microsoft.com/office/drawing/2014/main" xmlns="" id="{E90E8C09-101B-4FED-B231-8766CC8E7FEC}"/>
               </a:ext>
             </a:extLst>
           </p:cNvPr>
@@ -8999,7 +9097,7 @@
           <p:cNvPr id="8" name="Oval 7">
             <a:extLst>
               <a:ext uri="{FF2B5EF4-FFF2-40B4-BE49-F238E27FC236}">
-                <a16:creationId xmlns="" xmlns:a16="http://schemas.microsoft.com/office/drawing/2014/main" id="{350D11FA-A7AD-449D-A6DE-8D0EB26F9F63}"/>
+                <a16:creationId xmlns:a16="http://schemas.microsoft.com/office/drawing/2014/main" xmlns="" id="{350D11FA-A7AD-449D-A6DE-8D0EB26F9F63}"/>
               </a:ext>
             </a:extLst>
           </p:cNvPr>
@@ -9058,7 +9156,7 @@
           <p:cNvPr id="9" name="Cuadro de texto 58">
             <a:extLst>
               <a:ext uri="{FF2B5EF4-FFF2-40B4-BE49-F238E27FC236}">
-                <a16:creationId xmlns="" xmlns:a16="http://schemas.microsoft.com/office/drawing/2014/main" id="{0899BEDC-A902-48D2-A249-9080B936C86B}"/>
+                <a16:creationId xmlns:a16="http://schemas.microsoft.com/office/drawing/2014/main" xmlns="" id="{0899BEDC-A902-48D2-A249-9080B936C86B}"/>
               </a:ext>
             </a:extLst>
           </p:cNvPr>
@@ -9232,7 +9330,7 @@
           <p:cNvPr id="10" name="Oval 9">
             <a:extLst>
               <a:ext uri="{FF2B5EF4-FFF2-40B4-BE49-F238E27FC236}">
-                <a16:creationId xmlns="" xmlns:a16="http://schemas.microsoft.com/office/drawing/2014/main" id="{10054D07-E46F-40D6-857C-A3D98918454A}"/>
+                <a16:creationId xmlns:a16="http://schemas.microsoft.com/office/drawing/2014/main" xmlns="" id="{10054D07-E46F-40D6-857C-A3D98918454A}"/>
               </a:ext>
             </a:extLst>
           </p:cNvPr>
@@ -9291,7 +9389,7 @@
           <p:cNvPr id="13" name="Cuadro de texto 58">
             <a:extLst>
               <a:ext uri="{FF2B5EF4-FFF2-40B4-BE49-F238E27FC236}">
-                <a16:creationId xmlns="" xmlns:a16="http://schemas.microsoft.com/office/drawing/2014/main" id="{C5709DD1-A1C6-48DC-A3D0-8A59591C6CDF}"/>
+                <a16:creationId xmlns:a16="http://schemas.microsoft.com/office/drawing/2014/main" xmlns="" id="{C5709DD1-A1C6-48DC-A3D0-8A59591C6CDF}"/>
               </a:ext>
             </a:extLst>
           </p:cNvPr>
@@ -9465,7 +9563,7 @@
           <p:cNvPr id="14" name="Cuadro de texto 58">
             <a:extLst>
               <a:ext uri="{FF2B5EF4-FFF2-40B4-BE49-F238E27FC236}">
-                <a16:creationId xmlns="" xmlns:a16="http://schemas.microsoft.com/office/drawing/2014/main" id="{B251CB5D-FC80-4693-8C17-150C777226AD}"/>
+                <a16:creationId xmlns:a16="http://schemas.microsoft.com/office/drawing/2014/main" xmlns="" id="{B251CB5D-FC80-4693-8C17-150C777226AD}"/>
               </a:ext>
             </a:extLst>
           </p:cNvPr>
@@ -9639,7 +9737,7 @@
           <p:cNvPr id="15" name="Cuadro de texto 58">
             <a:extLst>
               <a:ext uri="{FF2B5EF4-FFF2-40B4-BE49-F238E27FC236}">
-                <a16:creationId xmlns="" xmlns:a16="http://schemas.microsoft.com/office/drawing/2014/main" id="{5AFC64E7-F785-49AA-B5E6-47B97215E571}"/>
+                <a16:creationId xmlns:a16="http://schemas.microsoft.com/office/drawing/2014/main" xmlns="" id="{5AFC64E7-F785-49AA-B5E6-47B97215E571}"/>
               </a:ext>
             </a:extLst>
           </p:cNvPr>
@@ -9813,7 +9911,7 @@
           <p:cNvPr id="16" name="Cuadro de texto 58">
             <a:extLst>
               <a:ext uri="{FF2B5EF4-FFF2-40B4-BE49-F238E27FC236}">
-                <a16:creationId xmlns="" xmlns:a16="http://schemas.microsoft.com/office/drawing/2014/main" id="{11E47EF7-53C5-4490-9216-2B3373BB2C54}"/>
+                <a16:creationId xmlns:a16="http://schemas.microsoft.com/office/drawing/2014/main" xmlns="" id="{11E47EF7-53C5-4490-9216-2B3373BB2C54}"/>
               </a:ext>
             </a:extLst>
           </p:cNvPr>
@@ -9987,7 +10085,7 @@
           <p:cNvPr id="17" name="Cuadro de texto 58">
             <a:extLst>
               <a:ext uri="{FF2B5EF4-FFF2-40B4-BE49-F238E27FC236}">
-                <a16:creationId xmlns="" xmlns:a16="http://schemas.microsoft.com/office/drawing/2014/main" id="{7E509E72-9DED-4379-B86C-B39829F78583}"/>
+                <a16:creationId xmlns:a16="http://schemas.microsoft.com/office/drawing/2014/main" xmlns="" id="{7E509E72-9DED-4379-B86C-B39829F78583}"/>
               </a:ext>
             </a:extLst>
           </p:cNvPr>
@@ -10161,7 +10259,7 @@
           <p:cNvPr id="18" name="Cuadro de texto 58">
             <a:extLst>
               <a:ext uri="{FF2B5EF4-FFF2-40B4-BE49-F238E27FC236}">
-                <a16:creationId xmlns="" xmlns:a16="http://schemas.microsoft.com/office/drawing/2014/main" id="{7E535DF9-7328-4181-B21A-2F1F9E7509E3}"/>
+                <a16:creationId xmlns:a16="http://schemas.microsoft.com/office/drawing/2014/main" xmlns="" id="{7E535DF9-7328-4181-B21A-2F1F9E7509E3}"/>
               </a:ext>
             </a:extLst>
           </p:cNvPr>
@@ -10285,7 +10383,7 @@
           <p:cNvPr id="19" name="Cuadro de texto 58">
             <a:extLst>
               <a:ext uri="{FF2B5EF4-FFF2-40B4-BE49-F238E27FC236}">
-                <a16:creationId xmlns="" xmlns:a16="http://schemas.microsoft.com/office/drawing/2014/main" id="{8C0B60E9-873C-44B2-908B-CDDEA4A33923}"/>
+                <a16:creationId xmlns:a16="http://schemas.microsoft.com/office/drawing/2014/main" xmlns="" id="{8C0B60E9-873C-44B2-908B-CDDEA4A33923}"/>
               </a:ext>
             </a:extLst>
           </p:cNvPr>
@@ -10409,7 +10507,7 @@
           <p:cNvPr id="20" name="Cuadro de texto 58">
             <a:extLst>
               <a:ext uri="{FF2B5EF4-FFF2-40B4-BE49-F238E27FC236}">
-                <a16:creationId xmlns="" xmlns:a16="http://schemas.microsoft.com/office/drawing/2014/main" id="{D60DEAFD-5102-434E-BE3C-253178AEF2DB}"/>
+                <a16:creationId xmlns:a16="http://schemas.microsoft.com/office/drawing/2014/main" xmlns="" id="{D60DEAFD-5102-434E-BE3C-253178AEF2DB}"/>
               </a:ext>
             </a:extLst>
           </p:cNvPr>
@@ -10533,7 +10631,7 @@
           <p:cNvPr id="21" name="Cuadro de texto 58">
             <a:extLst>
               <a:ext uri="{FF2B5EF4-FFF2-40B4-BE49-F238E27FC236}">
-                <a16:creationId xmlns="" xmlns:a16="http://schemas.microsoft.com/office/drawing/2014/main" id="{292B20F6-28B7-4349-B195-A3ED551F5D67}"/>
+                <a16:creationId xmlns:a16="http://schemas.microsoft.com/office/drawing/2014/main" xmlns="" id="{292B20F6-28B7-4349-B195-A3ED551F5D67}"/>
               </a:ext>
             </a:extLst>
           </p:cNvPr>
@@ -10657,7 +10755,7 @@
           <p:cNvPr id="22" name="Cuadro de texto 58">
             <a:extLst>
               <a:ext uri="{FF2B5EF4-FFF2-40B4-BE49-F238E27FC236}">
-                <a16:creationId xmlns="" xmlns:a16="http://schemas.microsoft.com/office/drawing/2014/main" id="{0649794C-1985-41F4-87F4-127427124605}"/>
+                <a16:creationId xmlns:a16="http://schemas.microsoft.com/office/drawing/2014/main" xmlns="" id="{0649794C-1985-41F4-87F4-127427124605}"/>
               </a:ext>
             </a:extLst>
           </p:cNvPr>
@@ -10781,7 +10879,7 @@
           <p:cNvPr id="23" name="Cuadro de texto 58">
             <a:extLst>
               <a:ext uri="{FF2B5EF4-FFF2-40B4-BE49-F238E27FC236}">
-                <a16:creationId xmlns="" xmlns:a16="http://schemas.microsoft.com/office/drawing/2014/main" id="{6EE1DD28-9C4F-43A6-8E3F-95B0E0705EA6}"/>
+                <a16:creationId xmlns:a16="http://schemas.microsoft.com/office/drawing/2014/main" xmlns="" id="{6EE1DD28-9C4F-43A6-8E3F-95B0E0705EA6}"/>
               </a:ext>
             </a:extLst>
           </p:cNvPr>
@@ -10942,7 +11040,7 @@
           <p:cNvPr id="27" name="Slide Number Placeholder 2">
             <a:extLst>
               <a:ext uri="{FF2B5EF4-FFF2-40B4-BE49-F238E27FC236}">
-                <a16:creationId xmlns="" xmlns:a16="http://schemas.microsoft.com/office/drawing/2014/main" id="{56A888AD-220E-4C11-9395-7651DF666760}"/>
+                <a16:creationId xmlns:a16="http://schemas.microsoft.com/office/drawing/2014/main" xmlns="" id="{56A888AD-220E-4C11-9395-7651DF666760}"/>
               </a:ext>
             </a:extLst>
           </p:cNvPr>
@@ -11200,7 +11298,7 @@
           <p:cNvPr id="4" name="Title 4">
             <a:extLst>
               <a:ext uri="{FF2B5EF4-FFF2-40B4-BE49-F238E27FC236}">
-                <a16:creationId xmlns="" xmlns:a16="http://schemas.microsoft.com/office/drawing/2014/main" id="{81C21D28-E313-4DD0-BC27-1CC98153ED37}"/>
+                <a16:creationId xmlns:a16="http://schemas.microsoft.com/office/drawing/2014/main" xmlns="" id="{81C21D28-E313-4DD0-BC27-1CC98153ED37}"/>
               </a:ext>
             </a:extLst>
           </p:cNvPr>
@@ -11336,7 +11434,7 @@
           <p:cNvPr id="27" name="Slide Number Placeholder 2">
             <a:extLst>
               <a:ext uri="{FF2B5EF4-FFF2-40B4-BE49-F238E27FC236}">
-                <a16:creationId xmlns="" xmlns:a16="http://schemas.microsoft.com/office/drawing/2014/main" id="{56A888AD-220E-4C11-9395-7651DF666760}"/>
+                <a16:creationId xmlns:a16="http://schemas.microsoft.com/office/drawing/2014/main" xmlns="" id="{56A888AD-220E-4C11-9395-7651DF666760}"/>
               </a:ext>
             </a:extLst>
           </p:cNvPr>
@@ -11594,7 +11692,7 @@
           <p:cNvPr id="24" name="Title 4">
             <a:extLst>
               <a:ext uri="{FF2B5EF4-FFF2-40B4-BE49-F238E27FC236}">
-                <a16:creationId xmlns="" xmlns:a16="http://schemas.microsoft.com/office/drawing/2014/main" id="{B09E3917-3D86-42FA-977E-6CF5A6B665F5}"/>
+                <a16:creationId xmlns:a16="http://schemas.microsoft.com/office/drawing/2014/main" xmlns="" id="{B09E3917-3D86-42FA-977E-6CF5A6B665F5}"/>
               </a:ext>
             </a:extLst>
           </p:cNvPr>
@@ -11666,7 +11764,7 @@
             <p:cNvPr id="4" name="CasellaDiTesto 3">
               <a:extLst>
                 <a:ext uri="{FF2B5EF4-FFF2-40B4-BE49-F238E27FC236}">
-                  <a16:creationId xmlns="" xmlns:a16="http://schemas.microsoft.com/office/drawing/2014/main" id="{1ED97E04-17FD-4F16-83BA-7F02DB6E560B}"/>
+                  <a16:creationId xmlns:a16="http://schemas.microsoft.com/office/drawing/2014/main" xmlns="" id="{1ED97E04-17FD-4F16-83BA-7F02DB6E560B}"/>
                 </a:ext>
               </a:extLst>
             </p:cNvPr>
@@ -11714,7 +11812,7 @@
             <p:cNvPr id="5" name="Parentesi quadra chiusa 4">
               <a:extLst>
                 <a:ext uri="{FF2B5EF4-FFF2-40B4-BE49-F238E27FC236}">
-                  <a16:creationId xmlns="" xmlns:a16="http://schemas.microsoft.com/office/drawing/2014/main" id="{DE463CC7-6A1F-4871-ADA5-BEC1D90E9AAD}"/>
+                  <a16:creationId xmlns:a16="http://schemas.microsoft.com/office/drawing/2014/main" xmlns="" id="{DE463CC7-6A1F-4871-ADA5-BEC1D90E9AAD}"/>
                 </a:ext>
               </a:extLst>
             </p:cNvPr>
@@ -11765,7 +11863,7 @@
             <p:cNvPr id="6" name="Parentesi quadra chiusa 5">
               <a:extLst>
                 <a:ext uri="{FF2B5EF4-FFF2-40B4-BE49-F238E27FC236}">
-                  <a16:creationId xmlns="" xmlns:a16="http://schemas.microsoft.com/office/drawing/2014/main" id="{58734880-A5B4-49D9-9C5C-DD7415E9E2A7}"/>
+                  <a16:creationId xmlns:a16="http://schemas.microsoft.com/office/drawing/2014/main" xmlns="" id="{58734880-A5B4-49D9-9C5C-DD7415E9E2A7}"/>
                 </a:ext>
               </a:extLst>
             </p:cNvPr>
@@ -11816,7 +11914,7 @@
             <p:cNvPr id="7" name="Connettore 2 6">
               <a:extLst>
                 <a:ext uri="{FF2B5EF4-FFF2-40B4-BE49-F238E27FC236}">
-                  <a16:creationId xmlns="" xmlns:a16="http://schemas.microsoft.com/office/drawing/2014/main" id="{B1552F4A-E837-4E27-81E2-0C10BBC77BC7}"/>
+                  <a16:creationId xmlns:a16="http://schemas.microsoft.com/office/drawing/2014/main" xmlns="" id="{B1552F4A-E837-4E27-81E2-0C10BBC77BC7}"/>
                 </a:ext>
               </a:extLst>
             </p:cNvPr>
@@ -11862,7 +11960,7 @@
             <p:cNvPr id="8" name="Connettore 2 7">
               <a:extLst>
                 <a:ext uri="{FF2B5EF4-FFF2-40B4-BE49-F238E27FC236}">
-                  <a16:creationId xmlns="" xmlns:a16="http://schemas.microsoft.com/office/drawing/2014/main" id="{88C55870-B1A6-406E-953F-E8D5AA842416}"/>
+                  <a16:creationId xmlns:a16="http://schemas.microsoft.com/office/drawing/2014/main" xmlns="" id="{88C55870-B1A6-406E-953F-E8D5AA842416}"/>
                 </a:ext>
               </a:extLst>
             </p:cNvPr>
@@ -11908,7 +12006,7 @@
             <p:cNvPr id="9" name="CasellaDiTesto 8">
               <a:extLst>
                 <a:ext uri="{FF2B5EF4-FFF2-40B4-BE49-F238E27FC236}">
-                  <a16:creationId xmlns="" xmlns:a16="http://schemas.microsoft.com/office/drawing/2014/main" id="{612985AE-936C-463C-90B3-C238B0997AD6}"/>
+                  <a16:creationId xmlns:a16="http://schemas.microsoft.com/office/drawing/2014/main" xmlns="" id="{612985AE-936C-463C-90B3-C238B0997AD6}"/>
                 </a:ext>
               </a:extLst>
             </p:cNvPr>
@@ -11996,7 +12094,7 @@
             <p:cNvPr id="10" name="CasellaDiTesto 9">
               <a:extLst>
                 <a:ext uri="{FF2B5EF4-FFF2-40B4-BE49-F238E27FC236}">
-                  <a16:creationId xmlns="" xmlns:a16="http://schemas.microsoft.com/office/drawing/2014/main" id="{1AB7A69E-A2EB-496B-AB45-8B88516A7652}"/>
+                  <a16:creationId xmlns:a16="http://schemas.microsoft.com/office/drawing/2014/main" xmlns="" id="{1AB7A69E-A2EB-496B-AB45-8B88516A7652}"/>
                 </a:ext>
               </a:extLst>
             </p:cNvPr>
@@ -12135,7 +12233,7 @@
             <p:cNvPr id="11" name="CasellaDiTesto 10">
               <a:extLst>
                 <a:ext uri="{FF2B5EF4-FFF2-40B4-BE49-F238E27FC236}">
-                  <a16:creationId xmlns="" xmlns:a16="http://schemas.microsoft.com/office/drawing/2014/main" id="{C412DF0E-E723-4C86-A88F-EEA714F9C7E8}"/>
+                  <a16:creationId xmlns:a16="http://schemas.microsoft.com/office/drawing/2014/main" xmlns="" id="{C412DF0E-E723-4C86-A88F-EEA714F9C7E8}"/>
                 </a:ext>
               </a:extLst>
             </p:cNvPr>
@@ -12189,7 +12287,7 @@
             <p:cNvPr id="12" name="CasellaDiTesto 11">
               <a:extLst>
                 <a:ext uri="{FF2B5EF4-FFF2-40B4-BE49-F238E27FC236}">
-                  <a16:creationId xmlns="" xmlns:a16="http://schemas.microsoft.com/office/drawing/2014/main" id="{DF8BA4B6-7D5C-40AD-9ED5-4FE1DD103AD1}"/>
+                  <a16:creationId xmlns:a16="http://schemas.microsoft.com/office/drawing/2014/main" xmlns="" id="{DF8BA4B6-7D5C-40AD-9ED5-4FE1DD103AD1}"/>
                 </a:ext>
               </a:extLst>
             </p:cNvPr>
@@ -12248,7 +12346,7 @@
             <p:cNvPr id="13" name="Parentesi quadra chiusa 12">
               <a:extLst>
                 <a:ext uri="{FF2B5EF4-FFF2-40B4-BE49-F238E27FC236}">
-                  <a16:creationId xmlns="" xmlns:a16="http://schemas.microsoft.com/office/drawing/2014/main" id="{3F631E10-2DA2-47ED-A687-71C188BC9868}"/>
+                  <a16:creationId xmlns:a16="http://schemas.microsoft.com/office/drawing/2014/main" xmlns="" id="{3F631E10-2DA2-47ED-A687-71C188BC9868}"/>
                 </a:ext>
               </a:extLst>
             </p:cNvPr>
@@ -12299,7 +12397,7 @@
             <p:cNvPr id="14" name="Parentesi quadra chiusa 13">
               <a:extLst>
                 <a:ext uri="{FF2B5EF4-FFF2-40B4-BE49-F238E27FC236}">
-                  <a16:creationId xmlns="" xmlns:a16="http://schemas.microsoft.com/office/drawing/2014/main" id="{149E2518-5864-4B35-B67E-FD084B01FE7F}"/>
+                  <a16:creationId xmlns:a16="http://schemas.microsoft.com/office/drawing/2014/main" xmlns="" id="{149E2518-5864-4B35-B67E-FD084B01FE7F}"/>
                 </a:ext>
               </a:extLst>
             </p:cNvPr>
@@ -12350,7 +12448,7 @@
             <p:cNvPr id="15" name="Connettore 2 14">
               <a:extLst>
                 <a:ext uri="{FF2B5EF4-FFF2-40B4-BE49-F238E27FC236}">
-                  <a16:creationId xmlns="" xmlns:a16="http://schemas.microsoft.com/office/drawing/2014/main" id="{E4616A2C-66E8-455F-A4A4-3384DE0B3BD4}"/>
+                  <a16:creationId xmlns:a16="http://schemas.microsoft.com/office/drawing/2014/main" xmlns="" id="{E4616A2C-66E8-455F-A4A4-3384DE0B3BD4}"/>
                 </a:ext>
               </a:extLst>
             </p:cNvPr>
@@ -12396,7 +12494,7 @@
             <p:cNvPr id="16" name="Connettore 2 15">
               <a:extLst>
                 <a:ext uri="{FF2B5EF4-FFF2-40B4-BE49-F238E27FC236}">
-                  <a16:creationId xmlns="" xmlns:a16="http://schemas.microsoft.com/office/drawing/2014/main" id="{7BBBCF1D-30D0-48A2-B891-70AAA7EA45F3}"/>
+                  <a16:creationId xmlns:a16="http://schemas.microsoft.com/office/drawing/2014/main" xmlns="" id="{7BBBCF1D-30D0-48A2-B891-70AAA7EA45F3}"/>
                 </a:ext>
               </a:extLst>
             </p:cNvPr>
@@ -12442,7 +12540,7 @@
             <p:cNvPr id="17" name="CasellaDiTesto 16">
               <a:extLst>
                 <a:ext uri="{FF2B5EF4-FFF2-40B4-BE49-F238E27FC236}">
-                  <a16:creationId xmlns="" xmlns:a16="http://schemas.microsoft.com/office/drawing/2014/main" id="{219B2F4D-B427-4BC3-8503-8EDB2E3F0FA7}"/>
+                  <a16:creationId xmlns:a16="http://schemas.microsoft.com/office/drawing/2014/main" xmlns="" id="{219B2F4D-B427-4BC3-8503-8EDB2E3F0FA7}"/>
                 </a:ext>
               </a:extLst>
             </p:cNvPr>
@@ -12530,7 +12628,7 @@
             <p:cNvPr id="18" name="CasellaDiTesto 17">
               <a:extLst>
                 <a:ext uri="{FF2B5EF4-FFF2-40B4-BE49-F238E27FC236}">
-                  <a16:creationId xmlns="" xmlns:a16="http://schemas.microsoft.com/office/drawing/2014/main" id="{B699B86C-973D-42CB-90F4-33EC624E28EB}"/>
+                  <a16:creationId xmlns:a16="http://schemas.microsoft.com/office/drawing/2014/main" xmlns="" id="{B699B86C-973D-42CB-90F4-33EC624E28EB}"/>
                 </a:ext>
               </a:extLst>
             </p:cNvPr>
@@ -12618,7 +12716,7 @@
             <p:cNvPr id="19" name="CasellaDiTesto 18">
               <a:extLst>
                 <a:ext uri="{FF2B5EF4-FFF2-40B4-BE49-F238E27FC236}">
-                  <a16:creationId xmlns="" xmlns:a16="http://schemas.microsoft.com/office/drawing/2014/main" id="{0ACA98E5-ED05-45E8-B61D-84A8A152F3AA}"/>
+                  <a16:creationId xmlns:a16="http://schemas.microsoft.com/office/drawing/2014/main" xmlns="" id="{0ACA98E5-ED05-45E8-B61D-84A8A152F3AA}"/>
                 </a:ext>
               </a:extLst>
             </p:cNvPr>
@@ -12657,7 +12755,7 @@
             <p:cNvPr id="20" name="Parentesi quadra chiusa 19">
               <a:extLst>
                 <a:ext uri="{FF2B5EF4-FFF2-40B4-BE49-F238E27FC236}">
-                  <a16:creationId xmlns="" xmlns:a16="http://schemas.microsoft.com/office/drawing/2014/main" id="{4DFB6731-EEFD-40C2-8191-3F54CFB4137B}"/>
+                  <a16:creationId xmlns:a16="http://schemas.microsoft.com/office/drawing/2014/main" xmlns="" id="{4DFB6731-EEFD-40C2-8191-3F54CFB4137B}"/>
                 </a:ext>
               </a:extLst>
             </p:cNvPr>
@@ -12708,7 +12806,7 @@
             <p:cNvPr id="21" name="Connettore 2 20">
               <a:extLst>
                 <a:ext uri="{FF2B5EF4-FFF2-40B4-BE49-F238E27FC236}">
-                  <a16:creationId xmlns="" xmlns:a16="http://schemas.microsoft.com/office/drawing/2014/main" id="{01A9EEEC-6CAF-49AE-B113-C79E6C6B3754}"/>
+                  <a16:creationId xmlns:a16="http://schemas.microsoft.com/office/drawing/2014/main" xmlns="" id="{01A9EEEC-6CAF-49AE-B113-C79E6C6B3754}"/>
                 </a:ext>
               </a:extLst>
             </p:cNvPr>
@@ -12754,7 +12852,7 @@
             <p:cNvPr id="22" name="CasellaDiTesto 21">
               <a:extLst>
                 <a:ext uri="{FF2B5EF4-FFF2-40B4-BE49-F238E27FC236}">
-                  <a16:creationId xmlns="" xmlns:a16="http://schemas.microsoft.com/office/drawing/2014/main" id="{224694AA-843A-4132-BD05-D79ABF289BF9}"/>
+                  <a16:creationId xmlns:a16="http://schemas.microsoft.com/office/drawing/2014/main" xmlns="" id="{224694AA-843A-4132-BD05-D79ABF289BF9}"/>
                 </a:ext>
               </a:extLst>
             </p:cNvPr>
@@ -12876,7 +12974,7 @@
             <p:cNvPr id="23" name="CasellaDiTesto 22">
               <a:extLst>
                 <a:ext uri="{FF2B5EF4-FFF2-40B4-BE49-F238E27FC236}">
-                  <a16:creationId xmlns="" xmlns:a16="http://schemas.microsoft.com/office/drawing/2014/main" id="{59CCA937-50F4-4AEF-BA54-7563BAB79246}"/>
+                  <a16:creationId xmlns:a16="http://schemas.microsoft.com/office/drawing/2014/main" xmlns="" id="{59CCA937-50F4-4AEF-BA54-7563BAB79246}"/>
                 </a:ext>
               </a:extLst>
             </p:cNvPr>
@@ -12935,7 +13033,7 @@
             <p:cNvPr id="25" name="Parentesi quadra chiusa 24">
               <a:extLst>
                 <a:ext uri="{FF2B5EF4-FFF2-40B4-BE49-F238E27FC236}">
-                  <a16:creationId xmlns="" xmlns:a16="http://schemas.microsoft.com/office/drawing/2014/main" id="{8064FF76-264B-4F86-B5F5-9434B232BA3C}"/>
+                  <a16:creationId xmlns:a16="http://schemas.microsoft.com/office/drawing/2014/main" xmlns="" id="{8064FF76-264B-4F86-B5F5-9434B232BA3C}"/>
                 </a:ext>
               </a:extLst>
             </p:cNvPr>
@@ -12986,7 +13084,7 @@
             <p:cNvPr id="26" name="Parentesi quadra chiusa 25">
               <a:extLst>
                 <a:ext uri="{FF2B5EF4-FFF2-40B4-BE49-F238E27FC236}">
-                  <a16:creationId xmlns="" xmlns:a16="http://schemas.microsoft.com/office/drawing/2014/main" id="{AFA71733-AF5A-4F8F-BC33-0296CD483BB8}"/>
+                  <a16:creationId xmlns:a16="http://schemas.microsoft.com/office/drawing/2014/main" xmlns="" id="{AFA71733-AF5A-4F8F-BC33-0296CD483BB8}"/>
                 </a:ext>
               </a:extLst>
             </p:cNvPr>
@@ -13037,7 +13135,7 @@
             <p:cNvPr id="28" name="Connettore 2 27">
               <a:extLst>
                 <a:ext uri="{FF2B5EF4-FFF2-40B4-BE49-F238E27FC236}">
-                  <a16:creationId xmlns="" xmlns:a16="http://schemas.microsoft.com/office/drawing/2014/main" id="{D46C4007-AAF1-4057-B058-6E9EDE2B3AC9}"/>
+                  <a16:creationId xmlns:a16="http://schemas.microsoft.com/office/drawing/2014/main" xmlns="" id="{D46C4007-AAF1-4057-B058-6E9EDE2B3AC9}"/>
                 </a:ext>
               </a:extLst>
             </p:cNvPr>
@@ -13083,7 +13181,7 @@
             <p:cNvPr id="29" name="Connettore 2 28">
               <a:extLst>
                 <a:ext uri="{FF2B5EF4-FFF2-40B4-BE49-F238E27FC236}">
-                  <a16:creationId xmlns="" xmlns:a16="http://schemas.microsoft.com/office/drawing/2014/main" id="{7436CEBC-9F83-423F-BD5D-C67D38200612}"/>
+                  <a16:creationId xmlns:a16="http://schemas.microsoft.com/office/drawing/2014/main" xmlns="" id="{7436CEBC-9F83-423F-BD5D-C67D38200612}"/>
                 </a:ext>
               </a:extLst>
             </p:cNvPr>
@@ -13129,7 +13227,7 @@
             <p:cNvPr id="30" name="CasellaDiTesto 29">
               <a:extLst>
                 <a:ext uri="{FF2B5EF4-FFF2-40B4-BE49-F238E27FC236}">
-                  <a16:creationId xmlns="" xmlns:a16="http://schemas.microsoft.com/office/drawing/2014/main" id="{94A0AC6E-0354-4CBA-AA86-424874EEF6C8}"/>
+                  <a16:creationId xmlns:a16="http://schemas.microsoft.com/office/drawing/2014/main" xmlns="" id="{94A0AC6E-0354-4CBA-AA86-424874EEF6C8}"/>
                 </a:ext>
               </a:extLst>
             </p:cNvPr>
@@ -13217,7 +13315,7 @@
             <p:cNvPr id="31" name="CasellaDiTesto 30">
               <a:extLst>
                 <a:ext uri="{FF2B5EF4-FFF2-40B4-BE49-F238E27FC236}">
-                  <a16:creationId xmlns="" xmlns:a16="http://schemas.microsoft.com/office/drawing/2014/main" id="{E363E990-68F0-4BE9-8669-C0D29F1FEE45}"/>
+                  <a16:creationId xmlns:a16="http://schemas.microsoft.com/office/drawing/2014/main" xmlns="" id="{E363E990-68F0-4BE9-8669-C0D29F1FEE45}"/>
                 </a:ext>
               </a:extLst>
             </p:cNvPr>
@@ -13305,7 +13403,7 @@
             <p:cNvPr id="32" name="CasellaDiTesto 31">
               <a:extLst>
                 <a:ext uri="{FF2B5EF4-FFF2-40B4-BE49-F238E27FC236}">
-                  <a16:creationId xmlns="" xmlns:a16="http://schemas.microsoft.com/office/drawing/2014/main" id="{F55BCB0F-2FAC-4B6E-AE40-6B33D486306E}"/>
+                  <a16:creationId xmlns:a16="http://schemas.microsoft.com/office/drawing/2014/main" xmlns="" id="{F55BCB0F-2FAC-4B6E-AE40-6B33D486306E}"/>
                 </a:ext>
               </a:extLst>
             </p:cNvPr>
@@ -13344,7 +13442,7 @@
             <p:cNvPr id="33" name="Parentesi quadra chiusa 32">
               <a:extLst>
                 <a:ext uri="{FF2B5EF4-FFF2-40B4-BE49-F238E27FC236}">
-                  <a16:creationId xmlns="" xmlns:a16="http://schemas.microsoft.com/office/drawing/2014/main" id="{B380BA22-53F4-4CDE-AD16-34DBCA77AA17}"/>
+                  <a16:creationId xmlns:a16="http://schemas.microsoft.com/office/drawing/2014/main" xmlns="" id="{B380BA22-53F4-4CDE-AD16-34DBCA77AA17}"/>
                 </a:ext>
               </a:extLst>
             </p:cNvPr>
@@ -13395,7 +13493,7 @@
             <p:cNvPr id="34" name="Connettore 2 33">
               <a:extLst>
                 <a:ext uri="{FF2B5EF4-FFF2-40B4-BE49-F238E27FC236}">
-                  <a16:creationId xmlns="" xmlns:a16="http://schemas.microsoft.com/office/drawing/2014/main" id="{A3C64065-BE5E-4930-85B4-DA09C98E3B6A}"/>
+                  <a16:creationId xmlns:a16="http://schemas.microsoft.com/office/drawing/2014/main" xmlns="" id="{A3C64065-BE5E-4930-85B4-DA09C98E3B6A}"/>
                 </a:ext>
               </a:extLst>
             </p:cNvPr>
@@ -13441,7 +13539,7 @@
             <p:cNvPr id="35" name="CasellaDiTesto 34">
               <a:extLst>
                 <a:ext uri="{FF2B5EF4-FFF2-40B4-BE49-F238E27FC236}">
-                  <a16:creationId xmlns="" xmlns:a16="http://schemas.microsoft.com/office/drawing/2014/main" id="{BCC996F6-957E-4740-8090-9E20DFE7F7F4}"/>
+                  <a16:creationId xmlns:a16="http://schemas.microsoft.com/office/drawing/2014/main" xmlns="" id="{BCC996F6-957E-4740-8090-9E20DFE7F7F4}"/>
                 </a:ext>
               </a:extLst>
             </p:cNvPr>
@@ -13560,7 +13658,7 @@
           <p:cNvPr id="27" name="Slide Number Placeholder 2">
             <a:extLst>
               <a:ext uri="{FF2B5EF4-FFF2-40B4-BE49-F238E27FC236}">
-                <a16:creationId xmlns="" xmlns:a16="http://schemas.microsoft.com/office/drawing/2014/main" id="{56A888AD-220E-4C11-9395-7651DF666760}"/>
+                <a16:creationId xmlns:a16="http://schemas.microsoft.com/office/drawing/2014/main" xmlns="" id="{56A888AD-220E-4C11-9395-7651DF666760}"/>
               </a:ext>
             </a:extLst>
           </p:cNvPr>
@@ -13818,7 +13916,7 @@
           <p:cNvPr id="24" name="Title 4">
             <a:extLst>
               <a:ext uri="{FF2B5EF4-FFF2-40B4-BE49-F238E27FC236}">
-                <a16:creationId xmlns="" xmlns:a16="http://schemas.microsoft.com/office/drawing/2014/main" id="{B09E3917-3D86-42FA-977E-6CF5A6B665F5}"/>
+                <a16:creationId xmlns:a16="http://schemas.microsoft.com/office/drawing/2014/main" xmlns="" id="{B09E3917-3D86-42FA-977E-6CF5A6B665F5}"/>
               </a:ext>
             </a:extLst>
           </p:cNvPr>
@@ -13913,7 +14011,7 @@
           <p:cNvPr id="27" name="Slide Number Placeholder 2">
             <a:extLst>
               <a:ext uri="{FF2B5EF4-FFF2-40B4-BE49-F238E27FC236}">
-                <a16:creationId xmlns="" xmlns:a16="http://schemas.microsoft.com/office/drawing/2014/main" id="{56A888AD-220E-4C11-9395-7651DF666760}"/>
+                <a16:creationId xmlns:a16="http://schemas.microsoft.com/office/drawing/2014/main" xmlns="" id="{56A888AD-220E-4C11-9395-7651DF666760}"/>
               </a:ext>
             </a:extLst>
           </p:cNvPr>
@@ -14171,7 +14269,7 @@
           <p:cNvPr id="24" name="Title 4">
             <a:extLst>
               <a:ext uri="{FF2B5EF4-FFF2-40B4-BE49-F238E27FC236}">
-                <a16:creationId xmlns="" xmlns:a16="http://schemas.microsoft.com/office/drawing/2014/main" id="{B09E3917-3D86-42FA-977E-6CF5A6B665F5}"/>
+                <a16:creationId xmlns:a16="http://schemas.microsoft.com/office/drawing/2014/main" xmlns="" id="{B09E3917-3D86-42FA-977E-6CF5A6B665F5}"/>
               </a:ext>
             </a:extLst>
           </p:cNvPr>
@@ -14219,11 +14317,149 @@
                   <a:srgbClr val="752127"/>
                 </a:solidFill>
               </a:rPr>
-              <a:t>Slide Title</a:t>
-            </a:r>
+              <a:t>Delta_From_To_Grade</a:t>
+            </a:r>
+            <a:endParaRPr lang="it-IT" sz="2000" b="1" dirty="0">
+              <a:solidFill>
+                <a:srgbClr val="752127"/>
+              </a:solidFill>
+            </a:endParaRPr>
           </a:p>
         </p:txBody>
       </p:sp>
+      <p:sp>
+        <p:nvSpPr>
+          <p:cNvPr id="2" name="Obdélník 1"/>
+          <p:cNvSpPr/>
+          <p:nvPr/>
+        </p:nvSpPr>
+        <p:spPr>
+          <a:xfrm>
+            <a:off x="710228" y="1187481"/>
+            <a:ext cx="10006539" cy="1477328"/>
+          </a:xfrm>
+          <a:prstGeom prst="rect">
+            <a:avLst/>
+          </a:prstGeom>
+        </p:spPr>
+        <p:txBody>
+          <a:bodyPr wrap="square">
+            <a:spAutoFit/>
+          </a:bodyPr>
+          <a:lstStyle/>
+          <a:p>
+            <a:pPr marL="285750" indent="-285750">
+              <a:buFont typeface="Arial" panose="020B0604020202020204" pitchFamily="34" charset="0"/>
+              <a:buChar char="•"/>
+            </a:pPr>
+            <a:r>
+              <a:rPr lang="en-US" dirty="0" smtClean="0"/>
+              <a:t>We have introduced to dataset newly created parameter as combination of </a:t>
+            </a:r>
+          </a:p>
+          <a:p>
+            <a:pPr marL="742950" lvl="1" indent="-285750">
+              <a:buFont typeface="Wingdings" panose="05000000000000000000" pitchFamily="2" charset="2"/>
+              <a:buChar char="Ø"/>
+            </a:pPr>
+            <a:r>
+              <a:rPr lang="en-US" dirty="0" err="1" smtClean="0"/>
+              <a:t>To_Grade</a:t>
+            </a:r>
+            <a:endParaRPr lang="en-US" dirty="0" smtClean="0"/>
+          </a:p>
+          <a:p>
+            <a:pPr marL="742950" lvl="1" indent="-285750">
+              <a:buFont typeface="Wingdings" panose="05000000000000000000" pitchFamily="2" charset="2"/>
+              <a:buChar char="Ø"/>
+            </a:pPr>
+            <a:r>
+              <a:rPr lang="en-US" dirty="0" err="1" smtClean="0"/>
+              <a:t>From_Grade</a:t>
+            </a:r>
+            <a:endParaRPr lang="en-US" dirty="0" smtClean="0"/>
+          </a:p>
+          <a:p>
+            <a:pPr marL="285750" indent="-285750">
+              <a:buFont typeface="Arial" panose="020B0604020202020204" pitchFamily="34" charset="0"/>
+              <a:buChar char="•"/>
+            </a:pPr>
+            <a:r>
+              <a:rPr lang="en-US" dirty="0" err="1" smtClean="0"/>
+              <a:t>Delta_From_To_Grade</a:t>
+            </a:r>
+            <a:r>
+              <a:rPr lang="cs-CZ" dirty="0" smtClean="0"/>
+              <a:t> </a:t>
+            </a:r>
+            <a:r>
+              <a:rPr lang="cs-CZ" dirty="0"/>
+              <a:t>= </a:t>
+            </a:r>
+            <a:r>
+              <a:rPr lang="cs-CZ" dirty="0" err="1" smtClean="0"/>
+              <a:t>From_Grade</a:t>
+            </a:r>
+            <a:r>
+              <a:rPr lang="cs-CZ" dirty="0" smtClean="0"/>
+              <a:t> </a:t>
+            </a:r>
+            <a:r>
+              <a:rPr lang="cs-CZ" dirty="0"/>
+              <a:t>- </a:t>
+            </a:r>
+            <a:r>
+              <a:rPr lang="cs-CZ" dirty="0" err="1"/>
+              <a:t>To_Grade</a:t>
+            </a:r>
+            <a:endParaRPr lang="en-US" dirty="0"/>
+          </a:p>
+          <a:p>
+            <a:pPr marL="285750" indent="-285750">
+              <a:buFont typeface="Arial" panose="020B0604020202020204" pitchFamily="34" charset="0"/>
+              <a:buChar char="•"/>
+            </a:pPr>
+            <a:r>
+              <a:rPr lang="en-US" dirty="0" smtClean="0"/>
+              <a:t>Thanks to this new parameter, retained explanation increased to 80%.</a:t>
+            </a:r>
+            <a:endParaRPr lang="en-US" dirty="0"/>
+          </a:p>
+        </p:txBody>
+      </p:sp>
+      <p:pic>
+        <p:nvPicPr>
+          <p:cNvPr id="5" name="Obrázek 4"/>
+          <p:cNvPicPr/>
+          <p:nvPr/>
+        </p:nvPicPr>
+        <p:blipFill>
+          <a:blip r:embed="rId3">
+            <a:extLst>
+              <a:ext uri="{28A0092B-C50C-407E-A947-70E740481C1C}">
+                <a14:useLocalDpi xmlns:a14="http://schemas.microsoft.com/office/drawing/2010/main" val="0"/>
+              </a:ext>
+            </a:extLst>
+          </a:blip>
+          <a:srcRect/>
+          <a:stretch>
+            <a:fillRect/>
+          </a:stretch>
+        </p:blipFill>
+        <p:spPr bwMode="auto">
+          <a:xfrm>
+            <a:off x="710228" y="2923807"/>
+            <a:ext cx="10006539" cy="3355848"/>
+          </a:xfrm>
+          <a:prstGeom prst="rect">
+            <a:avLst/>
+          </a:prstGeom>
+          <a:noFill/>
+          <a:ln>
+            <a:noFill/>
+          </a:ln>
+        </p:spPr>
+      </p:pic>
     </p:spTree>
     <p:extLst>
       <p:ext uri="{BB962C8B-B14F-4D97-AF65-F5344CB8AC3E}">
@@ -14263,10 +14499,435 @@
       </p:grpSpPr>
       <p:sp>
         <p:nvSpPr>
+          <p:cNvPr id="2" name="Obdélník 1"/>
+          <p:cNvSpPr/>
+          <p:nvPr/>
+        </p:nvSpPr>
+        <p:spPr>
+          <a:xfrm>
+            <a:off x="710229" y="1234869"/>
+            <a:ext cx="10527747" cy="3970318"/>
+          </a:xfrm>
+          <a:prstGeom prst="rect">
+            <a:avLst/>
+          </a:prstGeom>
+        </p:spPr>
+        <p:txBody>
+          <a:bodyPr wrap="square">
+            <a:spAutoFit/>
+          </a:bodyPr>
+          <a:lstStyle/>
+          <a:p>
+            <a:pPr>
+              <a:spcAft>
+                <a:spcPts val="0"/>
+              </a:spcAft>
+            </a:pPr>
+            <a:r>
+              <a:rPr lang="en-US" b="1" dirty="0">
+                <a:solidFill>
+                  <a:srgbClr val="000000"/>
+                </a:solidFill>
+                <a:latin typeface="Arial" panose="020B0604020202020204" pitchFamily="34" charset="0"/>
+                <a:ea typeface="Calibri" panose="020F0502020204030204" pitchFamily="34" charset="0"/>
+                <a:cs typeface="Times New Roman" panose="02020603050405020304" pitchFamily="18" charset="0"/>
+              </a:rPr>
+              <a:t>Finding</a:t>
+            </a:r>
+            <a:r>
+              <a:rPr lang="en-US" dirty="0">
+                <a:solidFill>
+                  <a:srgbClr val="000000"/>
+                </a:solidFill>
+                <a:latin typeface="Arial" panose="020B0604020202020204" pitchFamily="34" charset="0"/>
+                <a:ea typeface="Calibri" panose="020F0502020204030204" pitchFamily="34" charset="0"/>
+                <a:cs typeface="Times New Roman" panose="02020603050405020304" pitchFamily="18" charset="0"/>
+              </a:rPr>
+              <a:t>:</a:t>
+            </a:r>
+            <a:endParaRPr lang="cs-CZ" sz="2400" dirty="0">
+              <a:latin typeface="Calibri" panose="020F0502020204030204" pitchFamily="34" charset="0"/>
+              <a:ea typeface="Calibri" panose="020F0502020204030204" pitchFamily="34" charset="0"/>
+              <a:cs typeface="Times New Roman" panose="02020603050405020304" pitchFamily="18" charset="0"/>
+            </a:endParaRPr>
+          </a:p>
+          <a:p>
+            <a:pPr marL="742950" lvl="1" indent="-285750">
+              <a:buFont typeface="Arial" panose="020B0604020202020204" pitchFamily="34" charset="0"/>
+              <a:buChar char="•"/>
+            </a:pPr>
+            <a:r>
+              <a:rPr lang="en-US" dirty="0">
+                <a:solidFill>
+                  <a:srgbClr val="000000"/>
+                </a:solidFill>
+                <a:latin typeface="Arial" panose="020B0604020202020204" pitchFamily="34" charset="0"/>
+                <a:ea typeface="Calibri" panose="020F0502020204030204" pitchFamily="34" charset="0"/>
+                <a:cs typeface="Times New Roman" panose="02020603050405020304" pitchFamily="18" charset="0"/>
+              </a:rPr>
+              <a:t>The level of overall satisfaction </a:t>
+            </a:r>
+            <a:r>
+              <a:rPr lang="en-US" dirty="0" smtClean="0">
+                <a:solidFill>
+                  <a:srgbClr val="000000"/>
+                </a:solidFill>
+                <a:latin typeface="Arial" panose="020B0604020202020204" pitchFamily="34" charset="0"/>
+                <a:ea typeface="Calibri" panose="020F0502020204030204" pitchFamily="34" charset="0"/>
+                <a:cs typeface="Times New Roman" panose="02020603050405020304" pitchFamily="18" charset="0"/>
+              </a:rPr>
+              <a:t>and retain factor for the trip </a:t>
+            </a:r>
+            <a:r>
+              <a:rPr lang="en-US" dirty="0">
+                <a:solidFill>
+                  <a:srgbClr val="000000"/>
+                </a:solidFill>
+                <a:latin typeface="Arial" panose="020B0604020202020204" pitchFamily="34" charset="0"/>
+                <a:ea typeface="Calibri" panose="020F0502020204030204" pitchFamily="34" charset="0"/>
+                <a:cs typeface="Times New Roman" panose="02020603050405020304" pitchFamily="18" charset="0"/>
+              </a:rPr>
+              <a:t>is higher, when there are homogeneous groups of students attending.</a:t>
+            </a:r>
+            <a:endParaRPr lang="cs-CZ" sz="2400" dirty="0">
+              <a:latin typeface="Calibri" panose="020F0502020204030204" pitchFamily="34" charset="0"/>
+              <a:ea typeface="Calibri" panose="020F0502020204030204" pitchFamily="34" charset="0"/>
+              <a:cs typeface="Times New Roman" panose="02020603050405020304" pitchFamily="18" charset="0"/>
+            </a:endParaRPr>
+          </a:p>
+          <a:p>
+            <a:pPr>
+              <a:spcAft>
+                <a:spcPts val="0"/>
+              </a:spcAft>
+            </a:pPr>
+            <a:endParaRPr lang="cs-CZ" dirty="0" smtClean="0">
+              <a:solidFill>
+                <a:srgbClr val="000000"/>
+              </a:solidFill>
+              <a:latin typeface="Arial" panose="020B0604020202020204" pitchFamily="34" charset="0"/>
+              <a:ea typeface="Calibri" panose="020F0502020204030204" pitchFamily="34" charset="0"/>
+              <a:cs typeface="Times New Roman" panose="02020603050405020304" pitchFamily="18" charset="0"/>
+            </a:endParaRPr>
+          </a:p>
+          <a:p>
+            <a:pPr>
+              <a:spcAft>
+                <a:spcPts val="0"/>
+              </a:spcAft>
+            </a:pPr>
+            <a:endParaRPr lang="cs-CZ" dirty="0">
+              <a:solidFill>
+                <a:srgbClr val="000000"/>
+              </a:solidFill>
+              <a:latin typeface="Arial" panose="020B0604020202020204" pitchFamily="34" charset="0"/>
+              <a:ea typeface="Calibri" panose="020F0502020204030204" pitchFamily="34" charset="0"/>
+              <a:cs typeface="Times New Roman" panose="02020603050405020304" pitchFamily="18" charset="0"/>
+            </a:endParaRPr>
+          </a:p>
+          <a:p>
+            <a:pPr>
+              <a:spcAft>
+                <a:spcPts val="0"/>
+              </a:spcAft>
+            </a:pPr>
+            <a:endParaRPr lang="cs-CZ" dirty="0" smtClean="0">
+              <a:solidFill>
+                <a:srgbClr val="000000"/>
+              </a:solidFill>
+              <a:latin typeface="Arial" panose="020B0604020202020204" pitchFamily="34" charset="0"/>
+              <a:ea typeface="Calibri" panose="020F0502020204030204" pitchFamily="34" charset="0"/>
+              <a:cs typeface="Times New Roman" panose="02020603050405020304" pitchFamily="18" charset="0"/>
+            </a:endParaRPr>
+          </a:p>
+          <a:p>
+            <a:pPr>
+              <a:spcAft>
+                <a:spcPts val="0"/>
+              </a:spcAft>
+            </a:pPr>
+            <a:r>
+              <a:rPr lang="en-US" b="1" dirty="0" smtClean="0">
+                <a:solidFill>
+                  <a:srgbClr val="000000"/>
+                </a:solidFill>
+                <a:latin typeface="Arial" panose="020B0604020202020204" pitchFamily="34" charset="0"/>
+                <a:ea typeface="Calibri" panose="020F0502020204030204" pitchFamily="34" charset="0"/>
+                <a:cs typeface="Times New Roman" panose="02020603050405020304" pitchFamily="18" charset="0"/>
+              </a:rPr>
+              <a:t>Rationale</a:t>
+            </a:r>
+            <a:r>
+              <a:rPr lang="en-US" dirty="0">
+                <a:solidFill>
+                  <a:srgbClr val="000000"/>
+                </a:solidFill>
+                <a:latin typeface="Arial" panose="020B0604020202020204" pitchFamily="34" charset="0"/>
+                <a:ea typeface="Calibri" panose="020F0502020204030204" pitchFamily="34" charset="0"/>
+                <a:cs typeface="Times New Roman" panose="02020603050405020304" pitchFamily="18" charset="0"/>
+              </a:rPr>
+              <a:t>:</a:t>
+            </a:r>
+            <a:endParaRPr lang="cs-CZ" sz="2400" dirty="0">
+              <a:latin typeface="Calibri" panose="020F0502020204030204" pitchFamily="34" charset="0"/>
+              <a:ea typeface="Calibri" panose="020F0502020204030204" pitchFamily="34" charset="0"/>
+              <a:cs typeface="Times New Roman" panose="02020603050405020304" pitchFamily="18" charset="0"/>
+            </a:endParaRPr>
+          </a:p>
+          <a:p>
+            <a:pPr marL="742950" lvl="1" indent="-285750">
+              <a:buFont typeface="Arial" panose="020B0604020202020204" pitchFamily="34" charset="0"/>
+              <a:buChar char="•"/>
+            </a:pPr>
+            <a:r>
+              <a:rPr lang="en-US" dirty="0">
+                <a:solidFill>
+                  <a:srgbClr val="000000"/>
+                </a:solidFill>
+                <a:latin typeface="Arial" panose="020B0604020202020204" pitchFamily="34" charset="0"/>
+                <a:ea typeface="Calibri" panose="020F0502020204030204" pitchFamily="34" charset="0"/>
+                <a:cs typeface="Times New Roman" panose="02020603050405020304" pitchFamily="18" charset="0"/>
+              </a:rPr>
+              <a:t>We suppose it is due to the fact, that it might be much easier to fulfill the expectations and entertain the homogenous group with similar interests by certain set of activities.</a:t>
+            </a:r>
+            <a:endParaRPr lang="cs-CZ" sz="2400" dirty="0">
+              <a:latin typeface="Calibri" panose="020F0502020204030204" pitchFamily="34" charset="0"/>
+              <a:ea typeface="Calibri" panose="020F0502020204030204" pitchFamily="34" charset="0"/>
+              <a:cs typeface="Times New Roman" panose="02020603050405020304" pitchFamily="18" charset="0"/>
+            </a:endParaRPr>
+          </a:p>
+          <a:p>
+            <a:pPr marL="742950" lvl="1" indent="-285750">
+              <a:buFont typeface="Arial" panose="020B0604020202020204" pitchFamily="34" charset="0"/>
+              <a:buChar char="•"/>
+            </a:pPr>
+            <a:endParaRPr lang="cs-CZ" dirty="0" smtClean="0">
+              <a:solidFill>
+                <a:srgbClr val="000000"/>
+              </a:solidFill>
+              <a:latin typeface="Arial" panose="020B0604020202020204" pitchFamily="34" charset="0"/>
+              <a:ea typeface="Calibri" panose="020F0502020204030204" pitchFamily="34" charset="0"/>
+              <a:cs typeface="Times New Roman" panose="02020603050405020304" pitchFamily="18" charset="0"/>
+            </a:endParaRPr>
+          </a:p>
+          <a:p>
+            <a:pPr marL="742950" lvl="1" indent="-285750">
+              <a:buFont typeface="Arial" panose="020B0604020202020204" pitchFamily="34" charset="0"/>
+              <a:buChar char="•"/>
+            </a:pPr>
+            <a:r>
+              <a:rPr lang="en-US" dirty="0" smtClean="0">
+                <a:solidFill>
+                  <a:srgbClr val="000000"/>
+                </a:solidFill>
+                <a:latin typeface="Arial" panose="020B0604020202020204" pitchFamily="34" charset="0"/>
+                <a:ea typeface="Calibri" panose="020F0502020204030204" pitchFamily="34" charset="0"/>
+                <a:cs typeface="Times New Roman" panose="02020603050405020304" pitchFamily="18" charset="0"/>
+              </a:rPr>
+              <a:t>Heterogeneous </a:t>
+            </a:r>
+            <a:r>
+              <a:rPr lang="en-US" dirty="0">
+                <a:solidFill>
+                  <a:srgbClr val="000000"/>
+                </a:solidFill>
+                <a:latin typeface="Arial" panose="020B0604020202020204" pitchFamily="34" charset="0"/>
+                <a:ea typeface="Calibri" panose="020F0502020204030204" pitchFamily="34" charset="0"/>
+                <a:cs typeface="Times New Roman" panose="02020603050405020304" pitchFamily="18" charset="0"/>
+              </a:rPr>
+              <a:t>group (students of multiple grades) can have different interests, also some activities are not suited for multiple age </a:t>
+            </a:r>
+            <a:r>
+              <a:rPr lang="en-US" dirty="0" smtClean="0">
+                <a:solidFill>
+                  <a:srgbClr val="000000"/>
+                </a:solidFill>
+                <a:latin typeface="Arial" panose="020B0604020202020204" pitchFamily="34" charset="0"/>
+                <a:ea typeface="Calibri" panose="020F0502020204030204" pitchFamily="34" charset="0"/>
+                <a:cs typeface="Times New Roman" panose="02020603050405020304" pitchFamily="18" charset="0"/>
+              </a:rPr>
+              <a:t>groups</a:t>
+            </a:r>
+            <a:endParaRPr lang="cs-CZ" dirty="0" smtClean="0">
+              <a:solidFill>
+                <a:srgbClr val="000000"/>
+              </a:solidFill>
+              <a:latin typeface="Arial" panose="020B0604020202020204" pitchFamily="34" charset="0"/>
+              <a:ea typeface="Calibri" panose="020F0502020204030204" pitchFamily="34" charset="0"/>
+              <a:cs typeface="Times New Roman" panose="02020603050405020304" pitchFamily="18" charset="0"/>
+            </a:endParaRPr>
+          </a:p>
+          <a:p>
+            <a:pPr marL="742950" lvl="1" indent="-285750">
+              <a:buFont typeface="Arial" panose="020B0604020202020204" pitchFamily="34" charset="0"/>
+              <a:buChar char="•"/>
+            </a:pPr>
+            <a:endParaRPr lang="cs-CZ" dirty="0" smtClean="0">
+              <a:solidFill>
+                <a:srgbClr val="000000"/>
+              </a:solidFill>
+              <a:latin typeface="Arial" panose="020B0604020202020204" pitchFamily="34" charset="0"/>
+              <a:ea typeface="Calibri" panose="020F0502020204030204" pitchFamily="34" charset="0"/>
+              <a:cs typeface="Times New Roman" panose="02020603050405020304" pitchFamily="18" charset="0"/>
+            </a:endParaRPr>
+          </a:p>
+          <a:p>
+            <a:pPr marL="742950" lvl="1" indent="-285750">
+              <a:buFont typeface="Arial" panose="020B0604020202020204" pitchFamily="34" charset="0"/>
+              <a:buChar char="•"/>
+            </a:pPr>
+            <a:r>
+              <a:rPr lang="cs-CZ" dirty="0" smtClean="0">
+                <a:solidFill>
+                  <a:srgbClr val="000000"/>
+                </a:solidFill>
+                <a:latin typeface="Arial" panose="020B0604020202020204" pitchFamily="34" charset="0"/>
+                <a:ea typeface="Calibri" panose="020F0502020204030204" pitchFamily="34" charset="0"/>
+                <a:cs typeface="Times New Roman" panose="02020603050405020304" pitchFamily="18" charset="0"/>
+              </a:rPr>
+              <a:t>I</a:t>
+            </a:r>
+            <a:r>
+              <a:rPr lang="en-US" dirty="0" smtClean="0">
+                <a:solidFill>
+                  <a:srgbClr val="000000"/>
+                </a:solidFill>
+                <a:latin typeface="Arial" panose="020B0604020202020204" pitchFamily="34" charset="0"/>
+                <a:ea typeface="Calibri" panose="020F0502020204030204" pitchFamily="34" charset="0"/>
+                <a:cs typeface="Times New Roman" panose="02020603050405020304" pitchFamily="18" charset="0"/>
+              </a:rPr>
+              <a:t>t </a:t>
+            </a:r>
+            <a:r>
+              <a:rPr lang="en-US" dirty="0">
+                <a:solidFill>
+                  <a:srgbClr val="000000"/>
+                </a:solidFill>
+                <a:latin typeface="Arial" panose="020B0604020202020204" pitchFamily="34" charset="0"/>
+                <a:ea typeface="Calibri" panose="020F0502020204030204" pitchFamily="34" charset="0"/>
+                <a:cs typeface="Times New Roman" panose="02020603050405020304" pitchFamily="18" charset="0"/>
+              </a:rPr>
+              <a:t>might be much harder to find such </a:t>
+            </a:r>
+            <a:r>
+              <a:rPr lang="en-US" dirty="0" smtClean="0">
+                <a:solidFill>
+                  <a:srgbClr val="000000"/>
+                </a:solidFill>
+                <a:latin typeface="Arial" panose="020B0604020202020204" pitchFamily="34" charset="0"/>
+                <a:ea typeface="Calibri" panose="020F0502020204030204" pitchFamily="34" charset="0"/>
+                <a:cs typeface="Times New Roman" panose="02020603050405020304" pitchFamily="18" charset="0"/>
+              </a:rPr>
+              <a:t>activities suited for wider age range of people</a:t>
+            </a:r>
+            <a:endParaRPr lang="en-US" sz="2400" dirty="0">
+              <a:effectLst/>
+              <a:latin typeface="Calibri" panose="020F0502020204030204" pitchFamily="34" charset="0"/>
+              <a:ea typeface="Calibri" panose="020F0502020204030204" pitchFamily="34" charset="0"/>
+              <a:cs typeface="Times New Roman" panose="02020603050405020304" pitchFamily="18" charset="0"/>
+            </a:endParaRPr>
+          </a:p>
+        </p:txBody>
+      </p:sp>
+      <p:sp>
+        <p:nvSpPr>
+          <p:cNvPr id="3" name="Title 4">
+            <a:extLst>
+              <a:ext uri="{FF2B5EF4-FFF2-40B4-BE49-F238E27FC236}">
+                <a16:creationId xmlns:a16="http://schemas.microsoft.com/office/drawing/2014/main" xmlns="" id="{B09E3917-3D86-42FA-977E-6CF5A6B665F5}"/>
+              </a:ext>
+            </a:extLst>
+          </p:cNvPr>
+          <p:cNvSpPr txBox="1">
+            <a:spLocks/>
+          </p:cNvSpPr>
+          <p:nvPr/>
+        </p:nvSpPr>
+        <p:spPr>
+          <a:xfrm>
+            <a:off x="710229" y="459218"/>
+            <a:ext cx="7156586" cy="299735"/>
+          </a:xfrm>
+          <a:prstGeom prst="rect">
+            <a:avLst/>
+          </a:prstGeom>
+        </p:spPr>
+        <p:txBody>
+          <a:bodyPr vert="horz" lIns="0" tIns="0" rIns="0" bIns="0" rtlCol="0" anchor="t" anchorCtr="0">
+            <a:noAutofit/>
+          </a:bodyPr>
+          <a:lstStyle>
+            <a:lvl1pPr algn="l" defTabSz="457200" rtl="0" eaLnBrk="1" latinLnBrk="0" hangingPunct="1">
+              <a:lnSpc>
+                <a:spcPts val="2031"/>
+              </a:lnSpc>
+              <a:spcBef>
+                <a:spcPct val="0"/>
+              </a:spcBef>
+              <a:buNone/>
+              <a:defRPr sz="1846" b="0" i="0" kern="1200" baseline="0">
+                <a:solidFill>
+                  <a:schemeClr val="tx2"/>
+                </a:solidFill>
+                <a:latin typeface="Arial"/>
+                <a:ea typeface="+mj-ea"/>
+                <a:cs typeface="+mj-cs"/>
+              </a:defRPr>
+            </a:lvl1pPr>
+          </a:lstStyle>
+          <a:p>
+            <a:r>
+              <a:rPr lang="it-IT" sz="2000" b="1" dirty="0">
+                <a:solidFill>
+                  <a:srgbClr val="752127"/>
+                </a:solidFill>
+              </a:rPr>
+              <a:t>Delta_From_To_Grade</a:t>
+            </a:r>
+            <a:endParaRPr lang="it-IT" sz="2000" b="1" dirty="0">
+              <a:solidFill>
+                <a:srgbClr val="752127"/>
+              </a:solidFill>
+            </a:endParaRPr>
+          </a:p>
+        </p:txBody>
+      </p:sp>
+    </p:spTree>
+    <p:extLst>
+      <p:ext uri="{BB962C8B-B14F-4D97-AF65-F5344CB8AC3E}">
+        <p14:creationId xmlns:p14="http://schemas.microsoft.com/office/powerpoint/2010/main" val="2972356027"/>
+      </p:ext>
+    </p:extLst>
+  </p:cSld>
+  <p:clrMapOvr>
+    <a:masterClrMapping/>
+  </p:clrMapOvr>
+</p:sld>
+</file>
+
+<file path=ppt/slides/slide9.xml><?xml version="1.0" encoding="utf-8"?>
+<p:sld xmlns:a="http://schemas.openxmlformats.org/drawingml/2006/main" xmlns:r="http://schemas.openxmlformats.org/officeDocument/2006/relationships" xmlns:p="http://schemas.openxmlformats.org/presentationml/2006/main">
+  <p:cSld>
+    <p:spTree>
+      <p:nvGrpSpPr>
+        <p:cNvPr id="1" name=""/>
+        <p:cNvGrpSpPr/>
+        <p:nvPr/>
+      </p:nvGrpSpPr>
+      <p:grpSpPr>
+        <a:xfrm>
+          <a:off x="0" y="0"/>
+          <a:ext cx="0" cy="0"/>
+          <a:chOff x="0" y="0"/>
+          <a:chExt cx="0" cy="0"/>
+        </a:xfrm>
+      </p:grpSpPr>
+      <p:sp>
+        <p:nvSpPr>
           <p:cNvPr id="5" name="Text Placeholder 4">
             <a:extLst>
               <a:ext uri="{FF2B5EF4-FFF2-40B4-BE49-F238E27FC236}">
-                <a16:creationId xmlns="" xmlns:a16="http://schemas.microsoft.com/office/drawing/2014/main" id="{C708F328-23C5-46FE-9ADA-F3D6951F5035}"/>
+                <a16:creationId xmlns:a16="http://schemas.microsoft.com/office/drawing/2014/main" xmlns="" id="{C708F328-23C5-46FE-9ADA-F3D6951F5035}"/>
               </a:ext>
             </a:extLst>
           </p:cNvPr>
@@ -15221,12 +15882,9 @@
 </file>
 
 <file path=customXml/item1.xml><?xml version="1.0" encoding="utf-8"?>
-<?mso-contentType ?>
-<FormTemplates xmlns="http://schemas.microsoft.com/sharepoint/v3/contenttype/forms">
-  <Display>DocumentLibraryForm</Display>
-  <Edit>DocumentLibraryForm</Edit>
-  <New>DocumentLibraryForm</New>
-</FormTemplates>
+<p:properties xmlns:p="http://schemas.microsoft.com/office/2006/metadata/properties" xmlns:xsi="http://www.w3.org/2001/XMLSchema-instance" xmlns:pc="http://schemas.microsoft.com/office/infopath/2007/PartnerControls">
+  <documentManagement/>
+</p:properties>
 </file>
 
 <file path=customXml/item2.xml><?xml version="1.0" encoding="utf-8"?>
@@ -15453,15 +16111,27 @@
 </file>
 
 <file path=customXml/item3.xml><?xml version="1.0" encoding="utf-8"?>
-<p:properties xmlns:p="http://schemas.microsoft.com/office/2006/metadata/properties" xmlns:xsi="http://www.w3.org/2001/XMLSchema-instance" xmlns:pc="http://schemas.microsoft.com/office/infopath/2007/PartnerControls">
-  <documentManagement/>
-</p:properties>
+<?mso-contentType ?>
+<FormTemplates xmlns="http://schemas.microsoft.com/sharepoint/v3/contenttype/forms">
+  <Display>DocumentLibraryForm</Display>
+  <Edit>DocumentLibraryForm</Edit>
+  <New>DocumentLibraryForm</New>
+</FormTemplates>
 </file>
 
 <file path=customXml/itemProps1.xml><?xml version="1.0" encoding="utf-8"?>
-<ds:datastoreItem xmlns:ds="http://schemas.openxmlformats.org/officeDocument/2006/customXml" ds:itemID="{FEAC6048-6440-4A00-9D61-FE9C9904EA42}">
+<ds:datastoreItem xmlns:ds="http://schemas.openxmlformats.org/officeDocument/2006/customXml" ds:itemID="{AC5293E7-DCD4-47A6-B6C8-7F7024F7534B}">
   <ds:schemaRefs>
-    <ds:schemaRef ds:uri="http://schemas.microsoft.com/sharepoint/v3/contenttype/forms"/>
+    <ds:schemaRef ds:uri="http://purl.org/dc/dcmitype/"/>
+    <ds:schemaRef ds:uri="http://schemas.microsoft.com/office/infopath/2007/PartnerControls"/>
+    <ds:schemaRef ds:uri="http://schemas.microsoft.com/office/2006/documentManagement/types"/>
+    <ds:schemaRef ds:uri="http://purl.org/dc/elements/1.1/"/>
+    <ds:schemaRef ds:uri="http://schemas.microsoft.com/office/2006/metadata/properties"/>
+    <ds:schemaRef ds:uri="http://purl.org/dc/terms/"/>
+    <ds:schemaRef ds:uri="http://schemas.openxmlformats.org/package/2006/metadata/core-properties"/>
+    <ds:schemaRef ds:uri="c038ce7e-4169-4d49-9324-5447ee9a6370"/>
+    <ds:schemaRef ds:uri="d8e8dd54-27e0-406e-b96e-90470c90af98"/>
+    <ds:schemaRef ds:uri="http://www.w3.org/XML/1998/namespace"/>
   </ds:schemaRefs>
 </ds:datastoreItem>
 </file>
@@ -15486,18 +16156,9 @@
 </file>
 
 <file path=customXml/itemProps3.xml><?xml version="1.0" encoding="utf-8"?>
-<ds:datastoreItem xmlns:ds="http://schemas.openxmlformats.org/officeDocument/2006/customXml" ds:itemID="{AC5293E7-DCD4-47A6-B6C8-7F7024F7534B}">
+<ds:datastoreItem xmlns:ds="http://schemas.openxmlformats.org/officeDocument/2006/customXml" ds:itemID="{FEAC6048-6440-4A00-9D61-FE9C9904EA42}">
   <ds:schemaRefs>
-    <ds:schemaRef ds:uri="http://purl.org/dc/dcmitype/"/>
-    <ds:schemaRef ds:uri="http://schemas.microsoft.com/office/infopath/2007/PartnerControls"/>
-    <ds:schemaRef ds:uri="http://schemas.microsoft.com/office/2006/documentManagement/types"/>
-    <ds:schemaRef ds:uri="http://purl.org/dc/elements/1.1/"/>
-    <ds:schemaRef ds:uri="http://schemas.microsoft.com/office/2006/metadata/properties"/>
-    <ds:schemaRef ds:uri="http://purl.org/dc/terms/"/>
-    <ds:schemaRef ds:uri="http://schemas.openxmlformats.org/package/2006/metadata/core-properties"/>
-    <ds:schemaRef ds:uri="c038ce7e-4169-4d49-9324-5447ee9a6370"/>
-    <ds:schemaRef ds:uri="d8e8dd54-27e0-406e-b96e-90470c90af98"/>
-    <ds:schemaRef ds:uri="http://www.w3.org/XML/1998/namespace"/>
+    <ds:schemaRef ds:uri="http://schemas.microsoft.com/sharepoint/v3/contenttype/forms"/>
   </ds:schemaRefs>
 </ds:datastoreItem>
 </file>